--- a/Lecture Slides/VideoLectureSlides/9.3.pptx
+++ b/Lecture Slides/VideoLectureSlides/9.3.pptx
@@ -5,12 +5,19 @@
     <p:sldMasterId id="2147483660" r:id="rId4"/>
   </p:sldMasterIdLst>
   <p:notesMasterIdLst>
-    <p:notesMasterId r:id="rId8"/>
+    <p:notesMasterId r:id="rId15"/>
   </p:notesMasterIdLst>
   <p:sldIdLst>
     <p:sldId id="256" r:id="rId5"/>
-    <p:sldId id="263" r:id="rId6"/>
-    <p:sldId id="287" r:id="rId7"/>
+    <p:sldId id="258" r:id="rId6"/>
+    <p:sldId id="269" r:id="rId7"/>
+    <p:sldId id="266" r:id="rId8"/>
+    <p:sldId id="259" r:id="rId9"/>
+    <p:sldId id="268" r:id="rId10"/>
+    <p:sldId id="287" r:id="rId11"/>
+    <p:sldId id="262" r:id="rId12"/>
+    <p:sldId id="264" r:id="rId13"/>
+    <p:sldId id="265" r:id="rId14"/>
   </p:sldIdLst>
   <p:sldSz cx="9144000" cy="6858000" type="screen4x3"/>
   <p:notesSz cx="6858000" cy="9144000"/>
@@ -224,7 +231,7 @@
           <a:p>
             <a:fld id="{1AA1AB63-216F-4D5B-8811-CCB935E98D4A}" type="datetimeFigureOut">
               <a:rPr lang="en-US" smtClean="0"/>
-              <a:t>3/19/2021</a:t>
+              <a:t>12/30/2020</a:t>
             </a:fld>
             <a:endParaRPr lang="en-US" dirty="0"/>
           </a:p>
@@ -489,6 +496,90 @@
     </a:lvl9pPr>
   </p:notesStyle>
 </p:notesMaster>
+</file>
+
+<file path=ppt/notesSlides/notesSlide1.xml><?xml version="1.0" encoding="utf-8"?>
+<p:notes xmlns:a="http://schemas.openxmlformats.org/drawingml/2006/main" xmlns:r="http://schemas.openxmlformats.org/officeDocument/2006/relationships" xmlns:p="http://schemas.openxmlformats.org/presentationml/2006/main">
+  <p:cSld>
+    <p:spTree>
+      <p:nvGrpSpPr>
+        <p:cNvPr id="1" name=""/>
+        <p:cNvGrpSpPr/>
+        <p:nvPr/>
+      </p:nvGrpSpPr>
+      <p:grpSpPr>
+        <a:xfrm>
+          <a:off x="0" y="0"/>
+          <a:ext cx="0" cy="0"/>
+          <a:chOff x="0" y="0"/>
+          <a:chExt cx="0" cy="0"/>
+        </a:xfrm>
+      </p:grpSpPr>
+      <p:sp>
+        <p:nvSpPr>
+          <p:cNvPr id="2" name="Slide Image Placeholder 1"/>
+          <p:cNvSpPr>
+            <a:spLocks noGrp="1" noRot="1" noChangeAspect="1"/>
+          </p:cNvSpPr>
+          <p:nvPr>
+            <p:ph type="sldImg"/>
+          </p:nvPr>
+        </p:nvSpPr>
+        <p:spPr/>
+      </p:sp>
+      <p:sp>
+        <p:nvSpPr>
+          <p:cNvPr id="3" name="Notes Placeholder 2"/>
+          <p:cNvSpPr>
+            <a:spLocks noGrp="1"/>
+          </p:cNvSpPr>
+          <p:nvPr>
+            <p:ph type="body" idx="1"/>
+          </p:nvPr>
+        </p:nvSpPr>
+        <p:spPr/>
+        <p:txBody>
+          <a:bodyPr/>
+          <a:lstStyle/>
+          <a:p>
+            <a:endParaRPr lang="en-US" dirty="0"/>
+          </a:p>
+        </p:txBody>
+      </p:sp>
+      <p:sp>
+        <p:nvSpPr>
+          <p:cNvPr id="4" name="Slide Number Placeholder 3"/>
+          <p:cNvSpPr>
+            <a:spLocks noGrp="1"/>
+          </p:cNvSpPr>
+          <p:nvPr>
+            <p:ph type="sldNum" sz="quarter" idx="10"/>
+          </p:nvPr>
+        </p:nvSpPr>
+        <p:spPr/>
+        <p:txBody>
+          <a:bodyPr/>
+          <a:lstStyle/>
+          <a:p>
+            <a:fld id="{198B1ED1-A6A8-44D7-9A75-7C99E7381227}" type="slidenum">
+              <a:rPr lang="en-US" smtClean="0"/>
+              <a:t>9</a:t>
+            </a:fld>
+            <a:endParaRPr lang="en-US"/>
+          </a:p>
+        </p:txBody>
+      </p:sp>
+    </p:spTree>
+    <p:extLst>
+      <p:ext uri="{BB962C8B-B14F-4D97-AF65-F5344CB8AC3E}">
+        <p14:creationId xmlns:p14="http://schemas.microsoft.com/office/powerpoint/2010/main" val="3165257483"/>
+      </p:ext>
+    </p:extLst>
+  </p:cSld>
+  <p:clrMapOvr>
+    <a:masterClrMapping/>
+  </p:clrMapOvr>
+</p:notes>
 </file>
 
 <file path=ppt/slideLayouts/slideLayout1.xml><?xml version="1.0" encoding="utf-8"?>
@@ -3674,7 +3765,7 @@
           <a:p>
             <a:r>
               <a:rPr lang="en-US" dirty="0"/>
-              <a:t>Efficiency for Particles</a:t>
+              <a:t>The Equations of Motion with Normal-Tangential Coordinates</a:t>
             </a:r>
           </a:p>
         </p:txBody>
@@ -3719,6 +3810,148 @@
     <p:extLst>
       <p:ext uri="{BB962C8B-B14F-4D97-AF65-F5344CB8AC3E}">
         <p14:creationId xmlns:p14="http://schemas.microsoft.com/office/powerpoint/2010/main" val="3080430471"/>
+      </p:ext>
+    </p:extLst>
+  </p:cSld>
+  <p:clrMapOvr>
+    <a:masterClrMapping/>
+  </p:clrMapOvr>
+</p:sld>
+</file>
+
+<file path=ppt/slides/slide10.xml><?xml version="1.0" encoding="utf-8"?>
+<p:sld xmlns:a="http://schemas.openxmlformats.org/drawingml/2006/main" xmlns:r="http://schemas.openxmlformats.org/officeDocument/2006/relationships" xmlns:p="http://schemas.openxmlformats.org/presentationml/2006/main">
+  <p:cSld>
+    <p:spTree>
+      <p:nvGrpSpPr>
+        <p:cNvPr id="1" name=""/>
+        <p:cNvGrpSpPr/>
+        <p:nvPr/>
+      </p:nvGrpSpPr>
+      <p:grpSpPr>
+        <a:xfrm>
+          <a:off x="0" y="0"/>
+          <a:ext cx="0" cy="0"/>
+          <a:chOff x="0" y="0"/>
+          <a:chExt cx="0" cy="0"/>
+        </a:xfrm>
+      </p:grpSpPr>
+      <p:sp>
+        <p:nvSpPr>
+          <p:cNvPr id="2" name="Title 1">
+            <a:extLst>
+              <a:ext uri="{FF2B5EF4-FFF2-40B4-BE49-F238E27FC236}">
+                <a16:creationId xmlns:a16="http://schemas.microsoft.com/office/drawing/2014/main" id="{11FC9F29-F9F6-4C98-8253-177C6805B56D}"/>
+              </a:ext>
+            </a:extLst>
+          </p:cNvPr>
+          <p:cNvSpPr>
+            <a:spLocks noGrp="1"/>
+          </p:cNvSpPr>
+          <p:nvPr>
+            <p:ph type="title"/>
+          </p:nvPr>
+        </p:nvSpPr>
+        <p:spPr/>
+        <p:txBody>
+          <a:bodyPr>
+            <a:normAutofit fontScale="90000"/>
+          </a:bodyPr>
+          <a:lstStyle/>
+          <a:p>
+            <a:r>
+              <a:rPr lang="en-US" dirty="0"/>
+              <a:t>Kinetics with Normal Tangential Coordinates Practice Problem</a:t>
+            </a:r>
+          </a:p>
+        </p:txBody>
+      </p:sp>
+      <p:sp>
+        <p:nvSpPr>
+          <p:cNvPr id="3" name="Content Placeholder 2">
+            <a:extLst>
+              <a:ext uri="{FF2B5EF4-FFF2-40B4-BE49-F238E27FC236}">
+                <a16:creationId xmlns:a16="http://schemas.microsoft.com/office/drawing/2014/main" id="{F2C8A749-098B-4BF7-928F-4B0B421EA189}"/>
+              </a:ext>
+            </a:extLst>
+          </p:cNvPr>
+          <p:cNvSpPr>
+            <a:spLocks noGrp="1"/>
+          </p:cNvSpPr>
+          <p:nvPr>
+            <p:ph idx="1"/>
+          </p:nvPr>
+        </p:nvSpPr>
+        <p:spPr>
+          <a:xfrm>
+            <a:off x="457200" y="1600200"/>
+            <a:ext cx="3886200" cy="4495800"/>
+          </a:xfrm>
+        </p:spPr>
+        <p:txBody>
+          <a:bodyPr>
+            <a:normAutofit fontScale="77500" lnSpcReduction="20000"/>
+          </a:bodyPr>
+          <a:lstStyle/>
+          <a:p>
+            <a:r>
+              <a:rPr lang="en-US" dirty="0"/>
+              <a:t>15 kg boxes are being transported around a curve via a conveyor belt as shown to the right. Assuming the curve has a radius of 3 meters and the boxes are traveling at a constant speed of 1 meter per second. What is the minimum required coefficient of friction needed to ensure the boxes don’t slip as they travel around the curve? </a:t>
+            </a:r>
+          </a:p>
+        </p:txBody>
+      </p:sp>
+      <p:pic>
+        <p:nvPicPr>
+          <p:cNvPr id="1026" name="Picture 2" descr="dock structure boat ship transport band vehicle yacht factory shelf stock trade watercraft cruise ship conveyor belt logistics factory building industrial hall passenger ship sport venue">
+            <a:extLst>
+              <a:ext uri="{FF2B5EF4-FFF2-40B4-BE49-F238E27FC236}">
+                <a16:creationId xmlns:a16="http://schemas.microsoft.com/office/drawing/2014/main" id="{C3A94551-D356-4B90-8D24-2DF644A5FB7A}"/>
+              </a:ext>
+            </a:extLst>
+          </p:cNvPr>
+          <p:cNvPicPr>
+            <a:picLocks noChangeAspect="1" noChangeArrowheads="1"/>
+          </p:cNvPicPr>
+          <p:nvPr/>
+        </p:nvPicPr>
+        <p:blipFill>
+          <a:blip r:embed="rId2" cstate="print">
+            <a:extLst>
+              <a:ext uri="{28A0092B-C50C-407E-A947-70E740481C1C}">
+                <a14:useLocalDpi xmlns:a14="http://schemas.microsoft.com/office/drawing/2010/main" val="0"/>
+              </a:ext>
+            </a:extLst>
+          </a:blip>
+          <a:srcRect/>
+          <a:stretch>
+            <a:fillRect/>
+          </a:stretch>
+        </p:blipFill>
+        <p:spPr bwMode="auto">
+          <a:xfrm>
+            <a:off x="4551680" y="2133599"/>
+            <a:ext cx="4572000" cy="3429000"/>
+          </a:xfrm>
+          <a:prstGeom prst="rect">
+            <a:avLst/>
+          </a:prstGeom>
+          <a:noFill/>
+          <a:extLst>
+            <a:ext uri="{909E8E84-426E-40DD-AFC4-6F175D3DCCD1}">
+              <a14:hiddenFill xmlns:a14="http://schemas.microsoft.com/office/drawing/2010/main">
+                <a:solidFill>
+                  <a:srgbClr val="FFFFFF"/>
+                </a:solidFill>
+              </a14:hiddenFill>
+            </a:ext>
+          </a:extLst>
+        </p:spPr>
+      </p:pic>
+    </p:spTree>
+    <p:extLst>
+      <p:ext uri="{BB962C8B-B14F-4D97-AF65-F5344CB8AC3E}">
+        <p14:creationId xmlns:p14="http://schemas.microsoft.com/office/powerpoint/2010/main" val="1916984110"/>
       </p:ext>
     </p:extLst>
   </p:cSld>
@@ -3757,12 +3990,14 @@
         </p:nvSpPr>
         <p:spPr/>
         <p:txBody>
-          <a:bodyPr/>
+          <a:bodyPr>
+            <a:normAutofit fontScale="90000"/>
+          </a:bodyPr>
           <a:lstStyle/>
           <a:p>
             <a:r>
               <a:rPr lang="en-US" dirty="0"/>
-              <a:t>Efficiency</a:t>
+              <a:t>Newton’s Second Law and the Force Mass and Acceleration Method</a:t>
             </a:r>
           </a:p>
         </p:txBody>
@@ -3779,29 +4014,49 @@
                 <p:ph idx="1"/>
               </p:nvPr>
             </p:nvSpPr>
-            <p:spPr/>
+            <p:spPr>
+              <a:xfrm>
+                <a:off x="457200" y="1600200"/>
+                <a:ext cx="8229600" cy="4648200"/>
+              </a:xfrm>
+            </p:spPr>
             <p:txBody>
               <a:bodyPr>
-                <a:normAutofit lnSpcReduction="10000"/>
+                <a:normAutofit fontScale="77500" lnSpcReduction="20000"/>
               </a:bodyPr>
               <a:lstStyle/>
               <a:p>
                 <a:r>
                   <a:rPr lang="en-US" dirty="0"/>
-                  <a:t>The efficiency is the percentage of the work or power in that makes it from the input to the output of a system.</a:t>
+                  <a:t>The </a:t>
+                </a:r>
+                <a:r>
+                  <a:rPr lang="en-US" b="1" dirty="0"/>
+                  <a:t>force mass and acceleration method</a:t>
+                </a:r>
+                <a:r>
+                  <a:rPr lang="en-US" dirty="0"/>
+                  <a:t> in </a:t>
+                </a:r>
+                <a:r>
+                  <a:rPr lang="en-US" b="1" dirty="0"/>
+                  <a:t>kinetics</a:t>
+                </a:r>
+                <a:r>
+                  <a:rPr lang="en-US" dirty="0"/>
+                  <a:t> builds directly on </a:t>
+                </a:r>
+                <a:r>
+                  <a:rPr lang="en-US" b="1" dirty="0"/>
+                  <a:t>Newton’s Second Law</a:t>
+                </a:r>
+                <a:r>
+                  <a:rPr lang="en-US" dirty="0"/>
+                  <a:t> which states that...</a:t>
                 </a:r>
               </a:p>
               <a:p>
-                <a:r>
-                  <a:rPr lang="en-US" dirty="0"/>
-                  <a:t>It can be measured by taking the output work divided by the input work or taking the output power divided by the input power.</a:t>
-                </a:r>
-              </a:p>
-              <a:p>
-                <a:endParaRPr lang="en-US" dirty="0"/>
-              </a:p>
-              <a:p>
-                <a:pPr marL="0" indent="0">
+                <a:pPr marL="0" indent="0" algn="ctr">
                   <a:buNone/>
                 </a:pPr>
                 <a14:m>
@@ -3810,157 +4065,162 @@
                       <m:jc m:val="centerGroup"/>
                     </m:oMathParaPr>
                     <m:oMath xmlns:m="http://schemas.openxmlformats.org/officeDocument/2006/math">
-                      <m:r>
-                        <a:rPr lang="en-US" b="0" i="1" smtClean="0">
-                          <a:latin typeface="Cambria Math" panose="02040503050406030204" pitchFamily="18" charset="0"/>
-                          <a:ea typeface="Cambria Math" panose="02040503050406030204" pitchFamily="18" charset="0"/>
-                        </a:rPr>
-                        <m:t>𝜂</m:t>
-                      </m:r>
+                      <m:nary>
+                        <m:naryPr>
+                          <m:chr m:val="∑"/>
+                          <m:subHide m:val="on"/>
+                          <m:supHide m:val="on"/>
+                          <m:ctrlPr>
+                            <a:rPr lang="en-US" i="1" smtClean="0">
+                              <a:latin typeface="Cambria Math" panose="02040503050406030204" pitchFamily="18" charset="0"/>
+                            </a:rPr>
+                          </m:ctrlPr>
+                        </m:naryPr>
+                        <m:sub/>
+                        <m:sup/>
+                        <m:e>
+                          <m:acc>
+                            <m:accPr>
+                              <m:chr m:val="⃗"/>
+                              <m:ctrlPr>
+                                <a:rPr lang="en-US" i="1">
+                                  <a:latin typeface="Cambria Math" panose="02040503050406030204" pitchFamily="18" charset="0"/>
+                                </a:rPr>
+                              </m:ctrlPr>
+                            </m:accPr>
+                            <m:e>
+                              <m:r>
+                                <a:rPr lang="en-US" i="1">
+                                  <a:latin typeface="Cambria Math" panose="02040503050406030204" pitchFamily="18" charset="0"/>
+                                </a:rPr>
+                                <m:t>𝐹</m:t>
+                              </m:r>
+                            </m:e>
+                          </m:acc>
+                        </m:e>
+                      </m:nary>
                       <m:r>
                         <a:rPr lang="en-US" b="0" i="1" smtClean="0">
                           <a:latin typeface="Cambria Math"/>
                         </a:rPr>
                         <m:t>=</m:t>
                       </m:r>
-                      <m:f>
-                        <m:fPr>
+                      <m:r>
+                        <a:rPr lang="en-US" b="0" i="1" smtClean="0">
+                          <a:latin typeface="Cambria Math"/>
+                        </a:rPr>
+                        <m:t>𝑚</m:t>
+                      </m:r>
+                      <m:acc>
+                        <m:accPr>
+                          <m:chr m:val="⃗"/>
                           <m:ctrlPr>
                             <a:rPr lang="en-US" b="0" i="1" smtClean="0">
                               <a:latin typeface="Cambria Math" panose="02040503050406030204" pitchFamily="18" charset="0"/>
                             </a:rPr>
                           </m:ctrlPr>
-                        </m:fPr>
-                        <m:num>
-                          <m:sSub>
-                            <m:sSubPr>
-                              <m:ctrlPr>
-                                <a:rPr lang="en-US" b="0" i="1" smtClean="0">
-                                  <a:latin typeface="Cambria Math" panose="02040503050406030204" pitchFamily="18" charset="0"/>
-                                </a:rPr>
-                              </m:ctrlPr>
-                            </m:sSubPr>
-                            <m:e>
-                              <m:r>
-                                <a:rPr lang="en-US" b="0" i="1" smtClean="0">
-                                  <a:latin typeface="Cambria Math"/>
-                                </a:rPr>
-                                <m:t>𝑊</m:t>
-                              </m:r>
-                            </m:e>
-                            <m:sub>
-                              <m:r>
-                                <a:rPr lang="en-US" b="0" i="1" smtClean="0">
-                                  <a:latin typeface="Cambria Math"/>
-                                </a:rPr>
-                                <m:t>𝑜𝑢𝑡</m:t>
-                              </m:r>
-                            </m:sub>
-                          </m:sSub>
-                        </m:num>
-                        <m:den>
-                          <m:sSub>
-                            <m:sSubPr>
-                              <m:ctrlPr>
-                                <a:rPr lang="en-US" i="1">
-                                  <a:latin typeface="Cambria Math" panose="02040503050406030204" pitchFamily="18" charset="0"/>
-                                </a:rPr>
-                              </m:ctrlPr>
-                            </m:sSubPr>
-                            <m:e>
-                              <m:r>
-                                <a:rPr lang="en-US" i="1">
-                                  <a:latin typeface="Cambria Math"/>
-                                </a:rPr>
-                                <m:t>𝑊</m:t>
-                              </m:r>
-                            </m:e>
-                            <m:sub>
-                              <m:r>
-                                <a:rPr lang="en-US" b="0" i="1" smtClean="0">
-                                  <a:latin typeface="Cambria Math"/>
-                                </a:rPr>
-                                <m:t>𝑖𝑛</m:t>
-                              </m:r>
-                            </m:sub>
-                          </m:sSub>
-                        </m:den>
-                      </m:f>
-                      <m:r>
-                        <a:rPr lang="en-US" b="0" i="1" smtClean="0">
-                          <a:latin typeface="Cambria Math"/>
-                        </a:rPr>
-                        <m:t>=</m:t>
-                      </m:r>
-                      <m:f>
-                        <m:fPr>
-                          <m:ctrlPr>
+                        </m:accPr>
+                        <m:e>
+                          <m:r>
                             <a:rPr lang="en-US" b="0" i="1" smtClean="0">
                               <a:latin typeface="Cambria Math" panose="02040503050406030204" pitchFamily="18" charset="0"/>
                             </a:rPr>
-                          </m:ctrlPr>
-                        </m:fPr>
-                        <m:num>
-                          <m:sSub>
-                            <m:sSubPr>
-                              <m:ctrlPr>
-                                <a:rPr lang="en-US" b="0" i="1" smtClean="0">
-                                  <a:latin typeface="Cambria Math" panose="02040503050406030204" pitchFamily="18" charset="0"/>
-                                </a:rPr>
-                              </m:ctrlPr>
-                            </m:sSubPr>
-                            <m:e>
-                              <m:r>
-                                <a:rPr lang="en-US" i="1">
-                                  <a:latin typeface="Cambria Math"/>
-                                  <a:ea typeface="Cambria Math"/>
-                                </a:rPr>
-                                <m:t>𝒫</m:t>
-                              </m:r>
-                            </m:e>
-                            <m:sub>
-                              <m:r>
-                                <a:rPr lang="en-US" b="0" i="1" smtClean="0">
-                                  <a:latin typeface="Cambria Math"/>
-                                </a:rPr>
-                                <m:t>𝑜𝑢𝑡</m:t>
-                              </m:r>
-                            </m:sub>
-                          </m:sSub>
-                        </m:num>
-                        <m:den>
-                          <m:sSub>
-                            <m:sSubPr>
-                              <m:ctrlPr>
-                                <a:rPr lang="en-US" i="1">
-                                  <a:latin typeface="Cambria Math" panose="02040503050406030204" pitchFamily="18" charset="0"/>
-                                </a:rPr>
-                              </m:ctrlPr>
-                            </m:sSubPr>
-                            <m:e>
-                              <m:r>
-                                <a:rPr lang="en-US" i="1">
-                                  <a:latin typeface="Cambria Math"/>
-                                  <a:ea typeface="Cambria Math"/>
-                                </a:rPr>
-                                <m:t>𝒫</m:t>
-                              </m:r>
-                            </m:e>
-                            <m:sub>
-                              <m:r>
-                                <a:rPr lang="en-US" b="0" i="1" smtClean="0">
-                                  <a:latin typeface="Cambria Math"/>
-                                  <a:ea typeface="Cambria Math"/>
-                                </a:rPr>
-                                <m:t>𝑖𝑛</m:t>
-                              </m:r>
-                            </m:sub>
-                          </m:sSub>
-                        </m:den>
-                      </m:f>
+                            <m:t>𝑎</m:t>
+                          </m:r>
+                        </m:e>
+                      </m:acc>
                     </m:oMath>
                   </m:oMathPara>
                 </a14:m>
+                <a:endParaRPr lang="en-US" b="1" dirty="0"/>
+              </a:p>
+              <a:p>
+                <a:r>
+                  <a:rPr lang="en-US" dirty="0"/>
+                  <a:t>If we add known and unknown values into this equation, it is known as the </a:t>
+                </a:r>
+                <a:r>
+                  <a:rPr lang="en-US" b="1" dirty="0"/>
+                  <a:t>equation of motion</a:t>
+                </a:r>
+                <a:r>
+                  <a:rPr lang="en-US" dirty="0"/>
+                  <a:t>.</a:t>
+                </a:r>
+              </a:p>
+              <a:p>
+                <a:r>
+                  <a:rPr lang="en-US" dirty="0"/>
+                  <a:t>It is important to remember that </a:t>
+                </a:r>
+                <a14:m>
+                  <m:oMath xmlns:m="http://schemas.openxmlformats.org/officeDocument/2006/math">
+                    <m:acc>
+                      <m:accPr>
+                        <m:chr m:val="⃗"/>
+                        <m:ctrlPr>
+                          <a:rPr lang="en-US" i="1">
+                            <a:latin typeface="Cambria Math" panose="02040503050406030204" pitchFamily="18" charset="0"/>
+                          </a:rPr>
+                        </m:ctrlPr>
+                      </m:accPr>
+                      <m:e>
+                        <m:r>
+                          <a:rPr lang="en-US" i="1">
+                            <a:latin typeface="Cambria Math" panose="02040503050406030204" pitchFamily="18" charset="0"/>
+                          </a:rPr>
+                          <m:t>𝐹</m:t>
+                        </m:r>
+                      </m:e>
+                    </m:acc>
+                  </m:oMath>
+                </a14:m>
+                <a:r>
+                  <a:rPr lang="en-US" dirty="0"/>
+                  <a:t> and </a:t>
+                </a:r>
+                <a14:m>
+                  <m:oMath xmlns:m="http://schemas.openxmlformats.org/officeDocument/2006/math">
+                    <m:acc>
+                      <m:accPr>
+                        <m:chr m:val="⃗"/>
+                        <m:ctrlPr>
+                          <a:rPr lang="en-US" i="1">
+                            <a:latin typeface="Cambria Math" panose="02040503050406030204" pitchFamily="18" charset="0"/>
+                          </a:rPr>
+                        </m:ctrlPr>
+                      </m:accPr>
+                      <m:e>
+                        <m:r>
+                          <a:rPr lang="en-US" i="1">
+                            <a:latin typeface="Cambria Math" panose="02040503050406030204" pitchFamily="18" charset="0"/>
+                          </a:rPr>
+                          <m:t>𝑎</m:t>
+                        </m:r>
+                      </m:e>
+                    </m:acc>
+                  </m:oMath>
+                </a14:m>
+                <a:r>
+                  <a:rPr lang="en-US" dirty="0"/>
+                  <a:t> are vectors, so in many cases we will break these force and acceleration vectors down into components and have </a:t>
+                </a:r>
+                <a:r>
+                  <a:rPr lang="en-US" b="1" dirty="0"/>
+                  <a:t>equations of motion</a:t>
+                </a:r>
+                <a:r>
+                  <a:rPr lang="en-US" dirty="0"/>
+                  <a:t> for each component direction.</a:t>
+                </a:r>
+              </a:p>
+              <a:p>
+                <a:r>
+                  <a:rPr lang="en-US" dirty="0"/>
+                  <a:t>By solving this equation (or equations) we can find either the forces given the accelerations, or the accelerations given the forces.</a:t>
+                </a:r>
+              </a:p>
+              <a:p>
                 <a:endParaRPr lang="en-US" dirty="0"/>
               </a:p>
             </p:txBody>
@@ -3978,10 +4238,14 @@
               </p:nvPr>
             </p:nvSpPr>
             <p:spPr>
+              <a:xfrm>
+                <a:off x="457200" y="1600200"/>
+                <a:ext cx="8229600" cy="4648200"/>
+              </a:xfrm>
               <a:blipFill>
                 <a:blip r:embed="rId2"/>
                 <a:stretch>
-                  <a:fillRect l="-1704" t="-2830" r="-2296"/>
+                  <a:fillRect l="-1037" t="-2493" r="-148" b="-3150"/>
                 </a:stretch>
               </a:blipFill>
             </p:spPr>
@@ -4026,7 +4290,7 @@
     </p:spTree>
     <p:extLst>
       <p:ext uri="{BB962C8B-B14F-4D97-AF65-F5344CB8AC3E}">
-        <p14:creationId xmlns:p14="http://schemas.microsoft.com/office/powerpoint/2010/main" val="1604584844"/>
+        <p14:creationId xmlns:p14="http://schemas.microsoft.com/office/powerpoint/2010/main" val="371728822"/>
       </p:ext>
     </p:extLst>
   </p:cSld>
@@ -4167,7 +4431,105 @@
                                         <p:tgtEl>
                                           <p:spTgt spid="3">
                                             <p:txEl>
+                                              <p:pRg st="2" end="2"/>
+                                            </p:txEl>
+                                          </p:spTgt>
+                                        </p:tgtEl>
+                                        <p:attrNameLst>
+                                          <p:attrName>style.visibility</p:attrName>
+                                        </p:attrNameLst>
+                                      </p:cBhvr>
+                                      <p:to>
+                                        <p:strVal val="visible"/>
+                                      </p:to>
+                                    </p:set>
+                                  </p:childTnLst>
+                                </p:cTn>
+                              </p:par>
+                            </p:childTnLst>
+                          </p:cTn>
+                        </p:par>
+                      </p:childTnLst>
+                    </p:cTn>
+                  </p:par>
+                  <p:par>
+                    <p:cTn id="15" fill="hold">
+                      <p:stCondLst>
+                        <p:cond delay="indefinite"/>
+                      </p:stCondLst>
+                      <p:childTnLst>
+                        <p:par>
+                          <p:cTn id="16" fill="hold">
+                            <p:stCondLst>
+                              <p:cond delay="0"/>
+                            </p:stCondLst>
+                            <p:childTnLst>
+                              <p:par>
+                                <p:cTn id="17" presetID="1" presetClass="entr" presetSubtype="0" fill="hold" grpId="0" nodeType="clickEffect">
+                                  <p:stCondLst>
+                                    <p:cond delay="0"/>
+                                  </p:stCondLst>
+                                  <p:childTnLst>
+                                    <p:set>
+                                      <p:cBhvr>
+                                        <p:cTn id="18" dur="1" fill="hold">
+                                          <p:stCondLst>
+                                            <p:cond delay="0"/>
+                                          </p:stCondLst>
+                                        </p:cTn>
+                                        <p:tgtEl>
+                                          <p:spTgt spid="3">
+                                            <p:txEl>
                                               <p:pRg st="3" end="3"/>
+                                            </p:txEl>
+                                          </p:spTgt>
+                                        </p:tgtEl>
+                                        <p:attrNameLst>
+                                          <p:attrName>style.visibility</p:attrName>
+                                        </p:attrNameLst>
+                                      </p:cBhvr>
+                                      <p:to>
+                                        <p:strVal val="visible"/>
+                                      </p:to>
+                                    </p:set>
+                                  </p:childTnLst>
+                                </p:cTn>
+                              </p:par>
+                            </p:childTnLst>
+                          </p:cTn>
+                        </p:par>
+                      </p:childTnLst>
+                    </p:cTn>
+                  </p:par>
+                  <p:par>
+                    <p:cTn id="19" fill="hold">
+                      <p:stCondLst>
+                        <p:cond delay="indefinite"/>
+                      </p:stCondLst>
+                      <p:childTnLst>
+                        <p:par>
+                          <p:cTn id="20" fill="hold">
+                            <p:stCondLst>
+                              <p:cond delay="0"/>
+                            </p:stCondLst>
+                            <p:childTnLst>
+                              <p:par>
+                                <p:cTn id="21" presetID="1" presetClass="entr" presetSubtype="0" fill="hold" grpId="0" nodeType="clickEffect">
+                                  <p:stCondLst>
+                                    <p:cond delay="0"/>
+                                  </p:stCondLst>
+                                  <p:childTnLst>
+                                    <p:set>
+                                      <p:cBhvr>
+                                        <p:cTn id="22" dur="1" fill="hold">
+                                          <p:stCondLst>
+                                            <p:cond delay="0"/>
+                                          </p:stCondLst>
+                                        </p:cTn>
+                                        <p:tgtEl>
+                                          <p:spTgt spid="3">
+                                            <p:txEl>
+                                              <p:pRg st="4" end="4"/>
                                             </p:txEl>
                                           </p:spTgt>
                                         </p:tgtEl>
@@ -4240,6 +4602,3355 @@
             <a:spLocks noGrp="1"/>
           </p:cNvSpPr>
           <p:nvPr>
+            <p:ph type="title"/>
+          </p:nvPr>
+        </p:nvSpPr>
+        <p:spPr/>
+        <p:txBody>
+          <a:bodyPr/>
+          <a:lstStyle/>
+          <a:p>
+            <a:r>
+              <a:rPr lang="en-US" dirty="0"/>
+              <a:t>Force Method in Two Dimensions</a:t>
+            </a:r>
+          </a:p>
+        </p:txBody>
+      </p:sp>
+      <mc:AlternateContent xmlns:mc="http://schemas.openxmlformats.org/markup-compatibility/2006" xmlns:a14="http://schemas.microsoft.com/office/drawing/2010/main">
+        <mc:Choice Requires="a14">
+          <p:sp>
+            <p:nvSpPr>
+              <p:cNvPr id="3" name="Content Placeholder 2"/>
+              <p:cNvSpPr>
+                <a:spLocks noGrp="1"/>
+              </p:cNvSpPr>
+              <p:nvPr>
+                <p:ph idx="1"/>
+              </p:nvPr>
+            </p:nvSpPr>
+            <p:spPr/>
+            <p:txBody>
+              <a:bodyPr>
+                <a:normAutofit fontScale="92500" lnSpcReduction="10000"/>
+              </a:bodyPr>
+              <a:lstStyle/>
+              <a:p>
+                <a:r>
+                  <a:rPr lang="en-US" dirty="0"/>
+                  <a:t>Now we will have two equations of motion for normal-tangential coordinates.</a:t>
+                </a:r>
+              </a:p>
+              <a:p>
+                <a:pPr marL="0" indent="0" algn="ctr">
+                  <a:buNone/>
+                </a:pPr>
+                <a14:m>
+                  <m:oMathPara xmlns:m="http://schemas.openxmlformats.org/officeDocument/2006/math">
+                    <m:oMathParaPr>
+                      <m:jc m:val="centerGroup"/>
+                    </m:oMathParaPr>
+                    <m:oMath xmlns:m="http://schemas.openxmlformats.org/officeDocument/2006/math">
+                      <m:nary>
+                        <m:naryPr>
+                          <m:chr m:val="∑"/>
+                          <m:subHide m:val="on"/>
+                          <m:supHide m:val="on"/>
+                          <m:ctrlPr>
+                            <a:rPr lang="en-US" i="1">
+                              <a:latin typeface="Cambria Math" panose="02040503050406030204" pitchFamily="18" charset="0"/>
+                            </a:rPr>
+                          </m:ctrlPr>
+                        </m:naryPr>
+                        <m:sub/>
+                        <m:sup/>
+                        <m:e>
+                          <m:sSub>
+                            <m:sSubPr>
+                              <m:ctrlPr>
+                                <a:rPr lang="en-US" i="1">
+                                  <a:latin typeface="Cambria Math" panose="02040503050406030204" pitchFamily="18" charset="0"/>
+                                </a:rPr>
+                              </m:ctrlPr>
+                            </m:sSubPr>
+                            <m:e>
+                              <m:r>
+                                <a:rPr lang="en-US" i="1">
+                                  <a:latin typeface="Cambria Math"/>
+                                </a:rPr>
+                                <m:t>𝐹</m:t>
+                              </m:r>
+                            </m:e>
+                            <m:sub>
+                              <m:r>
+                                <a:rPr lang="en-US" b="0" i="1" smtClean="0">
+                                  <a:latin typeface="Cambria Math" panose="02040503050406030204" pitchFamily="18" charset="0"/>
+                                </a:rPr>
+                                <m:t>𝑛</m:t>
+                              </m:r>
+                            </m:sub>
+                          </m:sSub>
+                          <m:r>
+                            <a:rPr lang="en-US" i="1">
+                              <a:latin typeface="Cambria Math"/>
+                            </a:rPr>
+                            <m:t>=</m:t>
+                          </m:r>
+                          <m:r>
+                            <a:rPr lang="en-US" i="1">
+                              <a:latin typeface="Cambria Math"/>
+                            </a:rPr>
+                            <m:t>𝑚</m:t>
+                          </m:r>
+                          <m:sSub>
+                            <m:sSubPr>
+                              <m:ctrlPr>
+                                <a:rPr lang="en-US" i="1">
+                                  <a:latin typeface="Cambria Math" panose="02040503050406030204" pitchFamily="18" charset="0"/>
+                                </a:rPr>
+                              </m:ctrlPr>
+                            </m:sSubPr>
+                            <m:e>
+                              <m:r>
+                                <a:rPr lang="en-US" i="1">
+                                  <a:latin typeface="Cambria Math"/>
+                                </a:rPr>
+                                <m:t>𝑎</m:t>
+                              </m:r>
+                            </m:e>
+                            <m:sub>
+                              <m:r>
+                                <a:rPr lang="en-US" b="0" i="1" smtClean="0">
+                                  <a:latin typeface="Cambria Math" panose="02040503050406030204" pitchFamily="18" charset="0"/>
+                                </a:rPr>
+                                <m:t>𝑛</m:t>
+                              </m:r>
+                            </m:sub>
+                          </m:sSub>
+                        </m:e>
+                      </m:nary>
+                    </m:oMath>
+                  </m:oMathPara>
+                </a14:m>
+                <a:endParaRPr lang="en-US" dirty="0"/>
+              </a:p>
+              <a:p>
+                <a:pPr marL="0" indent="0" algn="ctr">
+                  <a:buNone/>
+                </a:pPr>
+                <a14:m>
+                  <m:oMathPara xmlns:m="http://schemas.openxmlformats.org/officeDocument/2006/math">
+                    <m:oMathParaPr>
+                      <m:jc m:val="centerGroup"/>
+                    </m:oMathParaPr>
+                    <m:oMath xmlns:m="http://schemas.openxmlformats.org/officeDocument/2006/math">
+                      <m:nary>
+                        <m:naryPr>
+                          <m:chr m:val="∑"/>
+                          <m:subHide m:val="on"/>
+                          <m:supHide m:val="on"/>
+                          <m:ctrlPr>
+                            <a:rPr lang="en-US" i="1">
+                              <a:latin typeface="Cambria Math" panose="02040503050406030204" pitchFamily="18" charset="0"/>
+                            </a:rPr>
+                          </m:ctrlPr>
+                        </m:naryPr>
+                        <m:sub/>
+                        <m:sup/>
+                        <m:e>
+                          <m:sSub>
+                            <m:sSubPr>
+                              <m:ctrlPr>
+                                <a:rPr lang="en-US" i="1">
+                                  <a:latin typeface="Cambria Math" panose="02040503050406030204" pitchFamily="18" charset="0"/>
+                                </a:rPr>
+                              </m:ctrlPr>
+                            </m:sSubPr>
+                            <m:e>
+                              <m:r>
+                                <a:rPr lang="en-US" i="1">
+                                  <a:latin typeface="Cambria Math"/>
+                                </a:rPr>
+                                <m:t>𝐹</m:t>
+                              </m:r>
+                            </m:e>
+                            <m:sub>
+                              <m:r>
+                                <a:rPr lang="en-US" b="0" i="1" smtClean="0">
+                                  <a:latin typeface="Cambria Math" panose="02040503050406030204" pitchFamily="18" charset="0"/>
+                                </a:rPr>
+                                <m:t>𝑡</m:t>
+                              </m:r>
+                            </m:sub>
+                          </m:sSub>
+                          <m:r>
+                            <a:rPr lang="en-US" i="1">
+                              <a:latin typeface="Cambria Math"/>
+                            </a:rPr>
+                            <m:t>=</m:t>
+                          </m:r>
+                          <m:r>
+                            <a:rPr lang="en-US" i="1">
+                              <a:latin typeface="Cambria Math"/>
+                            </a:rPr>
+                            <m:t>𝑚</m:t>
+                          </m:r>
+                          <m:sSub>
+                            <m:sSubPr>
+                              <m:ctrlPr>
+                                <a:rPr lang="en-US" i="1">
+                                  <a:latin typeface="Cambria Math" panose="02040503050406030204" pitchFamily="18" charset="0"/>
+                                </a:rPr>
+                              </m:ctrlPr>
+                            </m:sSubPr>
+                            <m:e>
+                              <m:r>
+                                <a:rPr lang="en-US" i="1">
+                                  <a:latin typeface="Cambria Math"/>
+                                </a:rPr>
+                                <m:t>𝑎</m:t>
+                              </m:r>
+                            </m:e>
+                            <m:sub>
+                              <m:r>
+                                <a:rPr lang="en-US" b="0" i="1" smtClean="0">
+                                  <a:latin typeface="Cambria Math" panose="02040503050406030204" pitchFamily="18" charset="0"/>
+                                </a:rPr>
+                                <m:t>𝑡</m:t>
+                              </m:r>
+                            </m:sub>
+                          </m:sSub>
+                        </m:e>
+                      </m:nary>
+                    </m:oMath>
+                  </m:oMathPara>
+                </a14:m>
+                <a:endParaRPr lang="en-US" dirty="0"/>
+              </a:p>
+              <a:p>
+                <a:r>
+                  <a:rPr lang="en-US" dirty="0"/>
+                  <a:t>Remember the normal-tangential coordinate system usually employed in instances where observations are made from the body in motion.</a:t>
+                </a:r>
+              </a:p>
+            </p:txBody>
+          </p:sp>
+        </mc:Choice>
+        <mc:Fallback xmlns="">
+          <p:sp>
+            <p:nvSpPr>
+              <p:cNvPr id="3" name="Content Placeholder 2"/>
+              <p:cNvSpPr>
+                <a:spLocks noGrp="1" noRot="1" noChangeAspect="1" noMove="1" noResize="1" noEditPoints="1" noAdjustHandles="1" noChangeArrowheads="1" noChangeShapeType="1" noTextEdit="1"/>
+              </p:cNvSpPr>
+              <p:nvPr>
+                <p:ph idx="1"/>
+              </p:nvPr>
+            </p:nvSpPr>
+            <p:spPr>
+              <a:blipFill>
+                <a:blip r:embed="rId2"/>
+                <a:stretch>
+                  <a:fillRect l="-1481" t="-2695" b="-2561"/>
+                </a:stretch>
+              </a:blipFill>
+            </p:spPr>
+            <p:txBody>
+              <a:bodyPr/>
+              <a:lstStyle/>
+              <a:p>
+                <a:r>
+                  <a:rPr lang="en-US">
+                    <a:noFill/>
+                  </a:rPr>
+                  <a:t> </a:t>
+                </a:r>
+              </a:p>
+            </p:txBody>
+          </p:sp>
+        </mc:Fallback>
+      </mc:AlternateContent>
+      <p:sp>
+        <p:nvSpPr>
+          <p:cNvPr id="4" name="Slide Number Placeholder 3"/>
+          <p:cNvSpPr>
+            <a:spLocks noGrp="1"/>
+          </p:cNvSpPr>
+          <p:nvPr>
+            <p:ph type="sldNum" sz="quarter" idx="12"/>
+          </p:nvPr>
+        </p:nvSpPr>
+        <p:spPr/>
+        <p:txBody>
+          <a:bodyPr/>
+          <a:lstStyle/>
+          <a:p>
+            <a:fld id="{929262FE-7F58-4A1E-8AF3-5A510A86DEBD}" type="slidenum">
+              <a:rPr lang="en-US" smtClean="0"/>
+              <a:t>3</a:t>
+            </a:fld>
+            <a:endParaRPr lang="en-US"/>
+          </a:p>
+        </p:txBody>
+      </p:sp>
+    </p:spTree>
+    <p:extLst>
+      <p:ext uri="{BB962C8B-B14F-4D97-AF65-F5344CB8AC3E}">
+        <p14:creationId xmlns:p14="http://schemas.microsoft.com/office/powerpoint/2010/main" val="3174472508"/>
+      </p:ext>
+    </p:extLst>
+  </p:cSld>
+  <p:clrMapOvr>
+    <a:masterClrMapping/>
+  </p:clrMapOvr>
+  <p:timing>
+    <p:tnLst>
+      <p:par>
+        <p:cTn id="1" dur="indefinite" restart="never" nodeType="tmRoot">
+          <p:childTnLst>
+            <p:seq concurrent="1" nextAc="seek">
+              <p:cTn id="2" dur="indefinite" nodeType="mainSeq">
+                <p:childTnLst>
+                  <p:par>
+                    <p:cTn id="3" fill="hold">
+                      <p:stCondLst>
+                        <p:cond delay="indefinite"/>
+                      </p:stCondLst>
+                      <p:childTnLst>
+                        <p:par>
+                          <p:cTn id="4" fill="hold">
+                            <p:stCondLst>
+                              <p:cond delay="0"/>
+                            </p:stCondLst>
+                            <p:childTnLst>
+                              <p:par>
+                                <p:cTn id="5" presetID="1" presetClass="entr" presetSubtype="0" fill="hold" grpId="0" nodeType="clickEffect">
+                                  <p:stCondLst>
+                                    <p:cond delay="0"/>
+                                  </p:stCondLst>
+                                  <p:childTnLst>
+                                    <p:set>
+                                      <p:cBhvr>
+                                        <p:cTn id="6" dur="1" fill="hold">
+                                          <p:stCondLst>
+                                            <p:cond delay="0"/>
+                                          </p:stCondLst>
+                                        </p:cTn>
+                                        <p:tgtEl>
+                                          <p:spTgt spid="3">
+                                            <p:txEl>
+                                              <p:pRg st="0" end="0"/>
+                                            </p:txEl>
+                                          </p:spTgt>
+                                        </p:tgtEl>
+                                        <p:attrNameLst>
+                                          <p:attrName>style.visibility</p:attrName>
+                                        </p:attrNameLst>
+                                      </p:cBhvr>
+                                      <p:to>
+                                        <p:strVal val="visible"/>
+                                      </p:to>
+                                    </p:set>
+                                  </p:childTnLst>
+                                </p:cTn>
+                              </p:par>
+                            </p:childTnLst>
+                          </p:cTn>
+                        </p:par>
+                      </p:childTnLst>
+                    </p:cTn>
+                  </p:par>
+                  <p:par>
+                    <p:cTn id="7" fill="hold">
+                      <p:stCondLst>
+                        <p:cond delay="indefinite"/>
+                      </p:stCondLst>
+                      <p:childTnLst>
+                        <p:par>
+                          <p:cTn id="8" fill="hold">
+                            <p:stCondLst>
+                              <p:cond delay="0"/>
+                            </p:stCondLst>
+                            <p:childTnLst>
+                              <p:par>
+                                <p:cTn id="9" presetID="1" presetClass="entr" presetSubtype="0" fill="hold" grpId="0" nodeType="clickEffect">
+                                  <p:stCondLst>
+                                    <p:cond delay="0"/>
+                                  </p:stCondLst>
+                                  <p:childTnLst>
+                                    <p:set>
+                                      <p:cBhvr>
+                                        <p:cTn id="10" dur="1" fill="hold">
+                                          <p:stCondLst>
+                                            <p:cond delay="0"/>
+                                          </p:stCondLst>
+                                        </p:cTn>
+                                        <p:tgtEl>
+                                          <p:spTgt spid="3">
+                                            <p:txEl>
+                                              <p:pRg st="1" end="1"/>
+                                            </p:txEl>
+                                          </p:spTgt>
+                                        </p:tgtEl>
+                                        <p:attrNameLst>
+                                          <p:attrName>style.visibility</p:attrName>
+                                        </p:attrNameLst>
+                                      </p:cBhvr>
+                                      <p:to>
+                                        <p:strVal val="visible"/>
+                                      </p:to>
+                                    </p:set>
+                                  </p:childTnLst>
+                                </p:cTn>
+                              </p:par>
+                            </p:childTnLst>
+                          </p:cTn>
+                        </p:par>
+                      </p:childTnLst>
+                    </p:cTn>
+                  </p:par>
+                  <p:par>
+                    <p:cTn id="11" fill="hold">
+                      <p:stCondLst>
+                        <p:cond delay="indefinite"/>
+                      </p:stCondLst>
+                      <p:childTnLst>
+                        <p:par>
+                          <p:cTn id="12" fill="hold">
+                            <p:stCondLst>
+                              <p:cond delay="0"/>
+                            </p:stCondLst>
+                            <p:childTnLst>
+                              <p:par>
+                                <p:cTn id="13" presetID="1" presetClass="entr" presetSubtype="0" fill="hold" grpId="0" nodeType="clickEffect">
+                                  <p:stCondLst>
+                                    <p:cond delay="0"/>
+                                  </p:stCondLst>
+                                  <p:childTnLst>
+                                    <p:set>
+                                      <p:cBhvr>
+                                        <p:cTn id="14" dur="1" fill="hold">
+                                          <p:stCondLst>
+                                            <p:cond delay="0"/>
+                                          </p:stCondLst>
+                                        </p:cTn>
+                                        <p:tgtEl>
+                                          <p:spTgt spid="3">
+                                            <p:txEl>
+                                              <p:pRg st="2" end="2"/>
+                                            </p:txEl>
+                                          </p:spTgt>
+                                        </p:tgtEl>
+                                        <p:attrNameLst>
+                                          <p:attrName>style.visibility</p:attrName>
+                                        </p:attrNameLst>
+                                      </p:cBhvr>
+                                      <p:to>
+                                        <p:strVal val="visible"/>
+                                      </p:to>
+                                    </p:set>
+                                  </p:childTnLst>
+                                </p:cTn>
+                              </p:par>
+                            </p:childTnLst>
+                          </p:cTn>
+                        </p:par>
+                      </p:childTnLst>
+                    </p:cTn>
+                  </p:par>
+                  <p:par>
+                    <p:cTn id="15" fill="hold">
+                      <p:stCondLst>
+                        <p:cond delay="indefinite"/>
+                      </p:stCondLst>
+                      <p:childTnLst>
+                        <p:par>
+                          <p:cTn id="16" fill="hold">
+                            <p:stCondLst>
+                              <p:cond delay="0"/>
+                            </p:stCondLst>
+                            <p:childTnLst>
+                              <p:par>
+                                <p:cTn id="17" presetID="1" presetClass="entr" presetSubtype="0" fill="hold" grpId="0" nodeType="clickEffect">
+                                  <p:stCondLst>
+                                    <p:cond delay="0"/>
+                                  </p:stCondLst>
+                                  <p:childTnLst>
+                                    <p:set>
+                                      <p:cBhvr>
+                                        <p:cTn id="18" dur="1" fill="hold">
+                                          <p:stCondLst>
+                                            <p:cond delay="0"/>
+                                          </p:stCondLst>
+                                        </p:cTn>
+                                        <p:tgtEl>
+                                          <p:spTgt spid="3">
+                                            <p:txEl>
+                                              <p:pRg st="3" end="3"/>
+                                            </p:txEl>
+                                          </p:spTgt>
+                                        </p:tgtEl>
+                                        <p:attrNameLst>
+                                          <p:attrName>style.visibility</p:attrName>
+                                        </p:attrNameLst>
+                                      </p:cBhvr>
+                                      <p:to>
+                                        <p:strVal val="visible"/>
+                                      </p:to>
+                                    </p:set>
+                                  </p:childTnLst>
+                                </p:cTn>
+                              </p:par>
+                            </p:childTnLst>
+                          </p:cTn>
+                        </p:par>
+                      </p:childTnLst>
+                    </p:cTn>
+                  </p:par>
+                </p:childTnLst>
+              </p:cTn>
+              <p:prevCondLst>
+                <p:cond evt="onPrev" delay="0">
+                  <p:tgtEl>
+                    <p:sldTgt/>
+                  </p:tgtEl>
+                </p:cond>
+              </p:prevCondLst>
+              <p:nextCondLst>
+                <p:cond evt="onNext" delay="0">
+                  <p:tgtEl>
+                    <p:sldTgt/>
+                  </p:tgtEl>
+                </p:cond>
+              </p:nextCondLst>
+            </p:seq>
+          </p:childTnLst>
+        </p:cTn>
+      </p:par>
+    </p:tnLst>
+    <p:bldLst>
+      <p:bldP spid="3" grpId="0" build="p"/>
+    </p:bldLst>
+  </p:timing>
+</p:sld>
+</file>
+
+<file path=ppt/slides/slide4.xml><?xml version="1.0" encoding="utf-8"?>
+<p:sld xmlns:a="http://schemas.openxmlformats.org/drawingml/2006/main" xmlns:r="http://schemas.openxmlformats.org/officeDocument/2006/relationships" xmlns:p="http://schemas.openxmlformats.org/presentationml/2006/main">
+  <p:cSld>
+    <p:spTree>
+      <p:nvGrpSpPr>
+        <p:cNvPr id="1" name=""/>
+        <p:cNvGrpSpPr/>
+        <p:nvPr/>
+      </p:nvGrpSpPr>
+      <p:grpSpPr>
+        <a:xfrm>
+          <a:off x="0" y="0"/>
+          <a:ext cx="0" cy="0"/>
+          <a:chOff x="0" y="0"/>
+          <a:chExt cx="0" cy="0"/>
+        </a:xfrm>
+      </p:grpSpPr>
+      <p:sp>
+        <p:nvSpPr>
+          <p:cNvPr id="2" name="Title 1">
+            <a:extLst>
+              <a:ext uri="{FF2B5EF4-FFF2-40B4-BE49-F238E27FC236}">
+                <a16:creationId xmlns:a16="http://schemas.microsoft.com/office/drawing/2014/main" id="{DB7E6DDF-E1BC-4D11-8570-85590720DB5C}"/>
+              </a:ext>
+            </a:extLst>
+          </p:cNvPr>
+          <p:cNvSpPr>
+            <a:spLocks noGrp="1"/>
+          </p:cNvSpPr>
+          <p:nvPr>
+            <p:ph type="title"/>
+          </p:nvPr>
+        </p:nvSpPr>
+        <p:spPr/>
+        <p:txBody>
+          <a:bodyPr>
+            <a:normAutofit fontScale="90000"/>
+          </a:bodyPr>
+          <a:lstStyle/>
+          <a:p>
+            <a:r>
+              <a:rPr lang="en-US" dirty="0"/>
+              <a:t>Forces in Normal and Tangential Directions</a:t>
+            </a:r>
+          </a:p>
+        </p:txBody>
+      </p:sp>
+      <p:sp>
+        <p:nvSpPr>
+          <p:cNvPr id="7" name="TextBox 6">
+            <a:extLst>
+              <a:ext uri="{FF2B5EF4-FFF2-40B4-BE49-F238E27FC236}">
+                <a16:creationId xmlns:a16="http://schemas.microsoft.com/office/drawing/2014/main" id="{A627DD00-FC52-41F4-8760-FCC5EE90F61D}"/>
+              </a:ext>
+            </a:extLst>
+          </p:cNvPr>
+          <p:cNvSpPr txBox="1"/>
+          <p:nvPr/>
+        </p:nvSpPr>
+        <p:spPr>
+          <a:xfrm>
+            <a:off x="3360870" y="3652952"/>
+            <a:ext cx="306494" cy="369332"/>
+          </a:xfrm>
+          <a:prstGeom prst="rect">
+            <a:avLst/>
+          </a:prstGeom>
+          <a:noFill/>
+        </p:spPr>
+        <p:txBody>
+          <a:bodyPr wrap="none" rtlCol="0">
+            <a:spAutoFit/>
+          </a:bodyPr>
+          <a:lstStyle/>
+          <a:p>
+            <a:r>
+              <a:rPr lang="en-US" dirty="0"/>
+              <a:t>n</a:t>
+            </a:r>
+          </a:p>
+        </p:txBody>
+      </p:sp>
+      <p:sp>
+        <p:nvSpPr>
+          <p:cNvPr id="8" name="TextBox 7">
+            <a:extLst>
+              <a:ext uri="{FF2B5EF4-FFF2-40B4-BE49-F238E27FC236}">
+                <a16:creationId xmlns:a16="http://schemas.microsoft.com/office/drawing/2014/main" id="{8F4E23DA-AEB1-4BD8-80AE-943B85763C82}"/>
+              </a:ext>
+            </a:extLst>
+          </p:cNvPr>
+          <p:cNvSpPr txBox="1"/>
+          <p:nvPr/>
+        </p:nvSpPr>
+        <p:spPr>
+          <a:xfrm>
+            <a:off x="6962661" y="4043207"/>
+            <a:ext cx="261610" cy="369332"/>
+          </a:xfrm>
+          <a:prstGeom prst="rect">
+            <a:avLst/>
+          </a:prstGeom>
+          <a:noFill/>
+        </p:spPr>
+        <p:txBody>
+          <a:bodyPr wrap="none" rtlCol="0">
+            <a:spAutoFit/>
+          </a:bodyPr>
+          <a:lstStyle/>
+          <a:p>
+            <a:r>
+              <a:rPr lang="en-US" dirty="0"/>
+              <a:t>t</a:t>
+            </a:r>
+          </a:p>
+        </p:txBody>
+      </p:sp>
+      <p:grpSp>
+        <p:nvGrpSpPr>
+          <p:cNvPr id="17" name="Group 16">
+            <a:extLst>
+              <a:ext uri="{FF2B5EF4-FFF2-40B4-BE49-F238E27FC236}">
+                <a16:creationId xmlns:a16="http://schemas.microsoft.com/office/drawing/2014/main" id="{7D60EA3A-DAEF-4603-B186-49CAF94829F8}"/>
+              </a:ext>
+            </a:extLst>
+          </p:cNvPr>
+          <p:cNvGrpSpPr/>
+          <p:nvPr/>
+        </p:nvGrpSpPr>
+        <p:grpSpPr>
+          <a:xfrm rot="20698776">
+            <a:off x="3341385" y="3669471"/>
+            <a:ext cx="3622681" cy="2193398"/>
+            <a:chOff x="3565085" y="2774406"/>
+            <a:chExt cx="3622681" cy="2193398"/>
+          </a:xfrm>
+        </p:grpSpPr>
+        <p:pic>
+          <p:nvPicPr>
+            <p:cNvPr id="4" name="Picture 2" descr="plane by voyeg3r">
+              <a:extLst>
+                <a:ext uri="{FF2B5EF4-FFF2-40B4-BE49-F238E27FC236}">
+                  <a16:creationId xmlns:a16="http://schemas.microsoft.com/office/drawing/2014/main" id="{2E65B87C-7EEF-4BD2-9801-1F3C9E341C75}"/>
+                </a:ext>
+              </a:extLst>
+            </p:cNvPr>
+            <p:cNvPicPr>
+              <a:picLocks noChangeAspect="1" noChangeArrowheads="1"/>
+            </p:cNvPicPr>
+            <p:nvPr/>
+          </p:nvPicPr>
+          <p:blipFill>
+            <a:blip r:embed="rId2" cstate="print">
+              <a:extLst>
+                <a:ext uri="{28A0092B-C50C-407E-A947-70E740481C1C}">
+                  <a14:useLocalDpi xmlns:a14="http://schemas.microsoft.com/office/drawing/2010/main" val="0"/>
+                </a:ext>
+              </a:extLst>
+            </a:blip>
+            <a:srcRect/>
+            <a:stretch>
+              <a:fillRect/>
+            </a:stretch>
+          </p:blipFill>
+          <p:spPr bwMode="auto">
+            <a:xfrm rot="4795351">
+              <a:off x="3659734" y="3577755"/>
+              <a:ext cx="1295400" cy="1484698"/>
+            </a:xfrm>
+            <a:prstGeom prst="rect">
+              <a:avLst/>
+            </a:prstGeom>
+            <a:noFill/>
+            <a:extLst>
+              <a:ext uri="{909E8E84-426E-40DD-AFC4-6F175D3DCCD1}">
+                <a14:hiddenFill xmlns:a14="http://schemas.microsoft.com/office/drawing/2010/main">
+                  <a:solidFill>
+                    <a:srgbClr val="FFFFFF"/>
+                  </a:solidFill>
+                </a14:hiddenFill>
+              </a:ext>
+            </a:extLst>
+          </p:spPr>
+        </p:pic>
+        <p:cxnSp>
+          <p:nvCxnSpPr>
+            <p:cNvPr id="6" name="Straight Arrow Connector 5">
+              <a:extLst>
+                <a:ext uri="{FF2B5EF4-FFF2-40B4-BE49-F238E27FC236}">
+                  <a16:creationId xmlns:a16="http://schemas.microsoft.com/office/drawing/2014/main" id="{C8240850-526C-494A-B89D-355F91CB4B70}"/>
+                </a:ext>
+              </a:extLst>
+            </p:cNvPr>
+            <p:cNvCxnSpPr/>
+            <p:nvPr/>
+          </p:nvCxnSpPr>
+          <p:spPr>
+            <a:xfrm flipV="1">
+              <a:off x="4343400" y="3871457"/>
+              <a:ext cx="2844366" cy="443529"/>
+            </a:xfrm>
+            <a:prstGeom prst="straightConnector1">
+              <a:avLst/>
+            </a:prstGeom>
+            <a:ln>
+              <a:tailEnd type="arrow"/>
+            </a:ln>
+          </p:spPr>
+          <p:style>
+            <a:lnRef idx="1">
+              <a:schemeClr val="dk1"/>
+            </a:lnRef>
+            <a:fillRef idx="0">
+              <a:schemeClr val="dk1"/>
+            </a:fillRef>
+            <a:effectRef idx="0">
+              <a:schemeClr val="dk1"/>
+            </a:effectRef>
+            <a:fontRef idx="minor">
+              <a:schemeClr val="tx1"/>
+            </a:fontRef>
+          </p:style>
+        </p:cxnSp>
+        <p:cxnSp>
+          <p:nvCxnSpPr>
+            <p:cNvPr id="12" name="Straight Arrow Connector 11">
+              <a:extLst>
+                <a:ext uri="{FF2B5EF4-FFF2-40B4-BE49-F238E27FC236}">
+                  <a16:creationId xmlns:a16="http://schemas.microsoft.com/office/drawing/2014/main" id="{893D3F62-A59A-410A-8C92-19ADE6C8C1F0}"/>
+                </a:ext>
+              </a:extLst>
+            </p:cNvPr>
+            <p:cNvCxnSpPr/>
+            <p:nvPr/>
+          </p:nvCxnSpPr>
+          <p:spPr>
+            <a:xfrm flipH="1" flipV="1">
+              <a:off x="4058121" y="2774406"/>
+              <a:ext cx="269340" cy="1535683"/>
+            </a:xfrm>
+            <a:prstGeom prst="straightConnector1">
+              <a:avLst/>
+            </a:prstGeom>
+            <a:ln>
+              <a:tailEnd type="arrow"/>
+            </a:ln>
+          </p:spPr>
+          <p:style>
+            <a:lnRef idx="1">
+              <a:schemeClr val="dk1"/>
+            </a:lnRef>
+            <a:fillRef idx="0">
+              <a:schemeClr val="dk1"/>
+            </a:fillRef>
+            <a:effectRef idx="0">
+              <a:schemeClr val="dk1"/>
+            </a:effectRef>
+            <a:fontRef idx="minor">
+              <a:schemeClr val="tx1"/>
+            </a:fontRef>
+          </p:style>
+        </p:cxnSp>
+      </p:grpSp>
+      <p:cxnSp>
+        <p:nvCxnSpPr>
+          <p:cNvPr id="19" name="Straight Arrow Connector 18">
+            <a:extLst>
+              <a:ext uri="{FF2B5EF4-FFF2-40B4-BE49-F238E27FC236}">
+                <a16:creationId xmlns:a16="http://schemas.microsoft.com/office/drawing/2014/main" id="{E1EC409C-D31E-464C-BEE6-F5FE6A8C4301}"/>
+              </a:ext>
+            </a:extLst>
+          </p:cNvPr>
+          <p:cNvCxnSpPr>
+            <a:cxnSpLocks/>
+          </p:cNvCxnSpPr>
+          <p:nvPr/>
+        </p:nvCxnSpPr>
+        <p:spPr>
+          <a:xfrm flipV="1">
+            <a:off x="4265976" y="4081480"/>
+            <a:ext cx="586004" cy="1395392"/>
+          </a:xfrm>
+          <a:prstGeom prst="straightConnector1">
+            <a:avLst/>
+          </a:prstGeom>
+          <a:ln>
+            <a:solidFill>
+              <a:srgbClr val="FF0000"/>
+            </a:solidFill>
+            <a:tailEnd type="triangle"/>
+          </a:ln>
+        </p:spPr>
+        <p:style>
+          <a:lnRef idx="3">
+            <a:schemeClr val="accent2"/>
+          </a:lnRef>
+          <a:fillRef idx="0">
+            <a:schemeClr val="accent2"/>
+          </a:fillRef>
+          <a:effectRef idx="2">
+            <a:schemeClr val="accent2"/>
+          </a:effectRef>
+          <a:fontRef idx="minor">
+            <a:schemeClr val="tx1"/>
+          </a:fontRef>
+        </p:style>
+      </p:cxnSp>
+      <p:sp>
+        <p:nvSpPr>
+          <p:cNvPr id="21" name="Arc 20">
+            <a:extLst>
+              <a:ext uri="{FF2B5EF4-FFF2-40B4-BE49-F238E27FC236}">
+                <a16:creationId xmlns:a16="http://schemas.microsoft.com/office/drawing/2014/main" id="{FE18FF61-D863-4DEA-9399-5A8AF8AB6698}"/>
+              </a:ext>
+            </a:extLst>
+          </p:cNvPr>
+          <p:cNvSpPr/>
+          <p:nvPr/>
+        </p:nvSpPr>
+        <p:spPr>
+          <a:xfrm>
+            <a:off x="3352800" y="4495800"/>
+            <a:ext cx="1828800" cy="1828800"/>
+          </a:xfrm>
+          <a:prstGeom prst="arc">
+            <a:avLst>
+              <a:gd name="adj1" fmla="val 17761007"/>
+              <a:gd name="adj2" fmla="val 20150002"/>
+            </a:avLst>
+          </a:prstGeom>
+        </p:spPr>
+        <p:style>
+          <a:lnRef idx="1">
+            <a:schemeClr val="accent1"/>
+          </a:lnRef>
+          <a:fillRef idx="0">
+            <a:schemeClr val="accent1"/>
+          </a:fillRef>
+          <a:effectRef idx="0">
+            <a:schemeClr val="accent1"/>
+          </a:effectRef>
+          <a:fontRef idx="minor">
+            <a:schemeClr val="tx1"/>
+          </a:fontRef>
+        </p:style>
+        <p:txBody>
+          <a:bodyPr rtlCol="0" anchor="ctr"/>
+          <a:lstStyle/>
+          <a:p>
+            <a:pPr algn="ctr"/>
+            <a:endParaRPr lang="en-US"/>
+          </a:p>
+        </p:txBody>
+      </p:sp>
+      <mc:AlternateContent xmlns:mc="http://schemas.openxmlformats.org/markup-compatibility/2006" xmlns:a14="http://schemas.microsoft.com/office/drawing/2010/main">
+        <mc:Choice Requires="a14">
+          <p:sp>
+            <p:nvSpPr>
+              <p:cNvPr id="22" name="TextBox 21">
+                <a:extLst>
+                  <a:ext uri="{FF2B5EF4-FFF2-40B4-BE49-F238E27FC236}">
+                    <a16:creationId xmlns:a16="http://schemas.microsoft.com/office/drawing/2014/main" id="{21620A9A-68AC-41C2-A03A-06A6A5A617A3}"/>
+                  </a:ext>
+                </a:extLst>
+              </p:cNvPr>
+              <p:cNvSpPr txBox="1"/>
+              <p:nvPr/>
+            </p:nvSpPr>
+            <p:spPr>
+              <a:xfrm>
+                <a:off x="4851625" y="3733019"/>
+                <a:ext cx="203004" cy="276999"/>
+              </a:xfrm>
+              <a:prstGeom prst="rect">
+                <a:avLst/>
+              </a:prstGeom>
+              <a:noFill/>
+            </p:spPr>
+            <p:txBody>
+              <a:bodyPr wrap="none" lIns="0" tIns="0" rIns="0" bIns="0" rtlCol="0">
+                <a:spAutoFit/>
+              </a:bodyPr>
+              <a:lstStyle/>
+              <a:p>
+                <a:pPr/>
+                <a14:m>
+                  <m:oMathPara xmlns:m="http://schemas.openxmlformats.org/officeDocument/2006/math">
+                    <m:oMathParaPr>
+                      <m:jc m:val="centerGroup"/>
+                    </m:oMathParaPr>
+                    <m:oMath xmlns:m="http://schemas.openxmlformats.org/officeDocument/2006/math">
+                      <m:r>
+                        <a:rPr lang="en-US" b="0" i="1" smtClean="0">
+                          <a:solidFill>
+                            <a:srgbClr val="FF0000"/>
+                          </a:solidFill>
+                          <a:latin typeface="Cambria Math" panose="02040503050406030204" pitchFamily="18" charset="0"/>
+                        </a:rPr>
+                        <m:t>𝐹</m:t>
+                      </m:r>
+                    </m:oMath>
+                  </m:oMathPara>
+                </a14:m>
+                <a:endParaRPr lang="en-US" dirty="0"/>
+              </a:p>
+            </p:txBody>
+          </p:sp>
+        </mc:Choice>
+        <mc:Fallback xmlns="">
+          <p:sp>
+            <p:nvSpPr>
+              <p:cNvPr id="22" name="TextBox 21">
+                <a:extLst>
+                  <a:ext uri="{FF2B5EF4-FFF2-40B4-BE49-F238E27FC236}">
+                    <a16:creationId xmlns:a16="http://schemas.microsoft.com/office/drawing/2014/main" id="{21620A9A-68AC-41C2-A03A-06A6A5A617A3}"/>
+                  </a:ext>
+                </a:extLst>
+              </p:cNvPr>
+              <p:cNvSpPr txBox="1">
+                <a:spLocks noRot="1" noChangeAspect="1" noMove="1" noResize="1" noEditPoints="1" noAdjustHandles="1" noChangeArrowheads="1" noChangeShapeType="1" noTextEdit="1"/>
+              </p:cNvSpPr>
+              <p:nvPr/>
+            </p:nvSpPr>
+            <p:spPr>
+              <a:xfrm>
+                <a:off x="4851625" y="3733019"/>
+                <a:ext cx="203004" cy="276999"/>
+              </a:xfrm>
+              <a:prstGeom prst="rect">
+                <a:avLst/>
+              </a:prstGeom>
+              <a:blipFill>
+                <a:blip r:embed="rId3"/>
+                <a:stretch>
+                  <a:fillRect l="-30303" r="-21212" b="-6522"/>
+                </a:stretch>
+              </a:blipFill>
+            </p:spPr>
+            <p:txBody>
+              <a:bodyPr/>
+              <a:lstStyle/>
+              <a:p>
+                <a:r>
+                  <a:rPr lang="en-US">
+                    <a:noFill/>
+                  </a:rPr>
+                  <a:t> </a:t>
+                </a:r>
+              </a:p>
+            </p:txBody>
+          </p:sp>
+        </mc:Fallback>
+      </mc:AlternateContent>
+      <mc:AlternateContent xmlns:mc="http://schemas.openxmlformats.org/markup-compatibility/2006" xmlns:a14="http://schemas.microsoft.com/office/drawing/2010/main">
+        <mc:Choice Requires="a14">
+          <p:sp>
+            <p:nvSpPr>
+              <p:cNvPr id="23" name="TextBox 22">
+                <a:extLst>
+                  <a:ext uri="{FF2B5EF4-FFF2-40B4-BE49-F238E27FC236}">
+                    <a16:creationId xmlns:a16="http://schemas.microsoft.com/office/drawing/2014/main" id="{D20FFB6D-C453-43B0-A92E-AAB009497B88}"/>
+                  </a:ext>
+                </a:extLst>
+              </p:cNvPr>
+              <p:cNvSpPr txBox="1"/>
+              <p:nvPr/>
+            </p:nvSpPr>
+            <p:spPr>
+              <a:xfrm>
+                <a:off x="4804215" y="5425440"/>
+                <a:ext cx="1243674" cy="276999"/>
+              </a:xfrm>
+              <a:prstGeom prst="rect">
+                <a:avLst/>
+              </a:prstGeom>
+              <a:noFill/>
+            </p:spPr>
+            <p:txBody>
+              <a:bodyPr wrap="none" lIns="0" tIns="0" rIns="0" bIns="0" rtlCol="0">
+                <a:spAutoFit/>
+              </a:bodyPr>
+              <a:lstStyle/>
+              <a:p>
+                <a:pPr/>
+                <a14:m>
+                  <m:oMathPara xmlns:m="http://schemas.openxmlformats.org/officeDocument/2006/math">
+                    <m:oMathParaPr>
+                      <m:jc m:val="centerGroup"/>
+                    </m:oMathParaPr>
+                    <m:oMath xmlns:m="http://schemas.openxmlformats.org/officeDocument/2006/math">
+                      <m:sSub>
+                        <m:sSubPr>
+                          <m:ctrlPr>
+                            <a:rPr lang="en-US" b="0" i="1" smtClean="0">
+                              <a:solidFill>
+                                <a:srgbClr val="FF0000"/>
+                              </a:solidFill>
+                              <a:latin typeface="Cambria Math" panose="02040503050406030204" pitchFamily="18" charset="0"/>
+                            </a:rPr>
+                          </m:ctrlPr>
+                        </m:sSubPr>
+                        <m:e>
+                          <m:r>
+                            <a:rPr lang="en-US" b="0" i="1" smtClean="0">
+                              <a:solidFill>
+                                <a:srgbClr val="FF0000"/>
+                              </a:solidFill>
+                              <a:latin typeface="Cambria Math" panose="02040503050406030204" pitchFamily="18" charset="0"/>
+                            </a:rPr>
+                            <m:t>𝐹</m:t>
+                          </m:r>
+                        </m:e>
+                        <m:sub>
+                          <m:r>
+                            <a:rPr lang="en-US" b="0" i="1" smtClean="0">
+                              <a:solidFill>
+                                <a:srgbClr val="FF0000"/>
+                              </a:solidFill>
+                              <a:latin typeface="Cambria Math" panose="02040503050406030204" pitchFamily="18" charset="0"/>
+                            </a:rPr>
+                            <m:t>𝑡</m:t>
+                          </m:r>
+                        </m:sub>
+                      </m:sSub>
+                      <m:r>
+                        <a:rPr lang="en-US" b="0" i="1" smtClean="0">
+                          <a:solidFill>
+                            <a:srgbClr val="FF0000"/>
+                          </a:solidFill>
+                          <a:latin typeface="Cambria Math" panose="02040503050406030204" pitchFamily="18" charset="0"/>
+                        </a:rPr>
+                        <m:t>=</m:t>
+                      </m:r>
+                      <m:r>
+                        <a:rPr lang="en-US" b="0" i="1" smtClean="0">
+                          <a:solidFill>
+                            <a:srgbClr val="FF0000"/>
+                          </a:solidFill>
+                          <a:latin typeface="Cambria Math" panose="02040503050406030204" pitchFamily="18" charset="0"/>
+                        </a:rPr>
+                        <m:t>𝐹</m:t>
+                      </m:r>
+                      <m:func>
+                        <m:funcPr>
+                          <m:ctrlPr>
+                            <a:rPr lang="en-US" b="0" i="1" smtClean="0">
+                              <a:solidFill>
+                                <a:srgbClr val="FF0000"/>
+                              </a:solidFill>
+                              <a:latin typeface="Cambria Math" panose="02040503050406030204" pitchFamily="18" charset="0"/>
+                            </a:rPr>
+                          </m:ctrlPr>
+                        </m:funcPr>
+                        <m:fName>
+                          <m:r>
+                            <m:rPr>
+                              <m:sty m:val="p"/>
+                            </m:rPr>
+                            <a:rPr lang="en-US" b="0" i="0" smtClean="0">
+                              <a:solidFill>
+                                <a:srgbClr val="FF0000"/>
+                              </a:solidFill>
+                              <a:latin typeface="Cambria Math" panose="02040503050406030204" pitchFamily="18" charset="0"/>
+                            </a:rPr>
+                            <m:t>cos</m:t>
+                          </m:r>
+                        </m:fName>
+                        <m:e>
+                          <m:r>
+                            <a:rPr lang="en-US" b="0" i="1" smtClean="0">
+                              <a:solidFill>
+                                <a:srgbClr val="FF0000"/>
+                              </a:solidFill>
+                              <a:latin typeface="Cambria Math" panose="02040503050406030204" pitchFamily="18" charset="0"/>
+                              <a:ea typeface="Cambria Math" panose="02040503050406030204" pitchFamily="18" charset="0"/>
+                            </a:rPr>
+                            <m:t>𝜃</m:t>
+                          </m:r>
+                        </m:e>
+                      </m:func>
+                    </m:oMath>
+                  </m:oMathPara>
+                </a14:m>
+                <a:endParaRPr lang="en-US" dirty="0"/>
+              </a:p>
+            </p:txBody>
+          </p:sp>
+        </mc:Choice>
+        <mc:Fallback xmlns="">
+          <p:sp>
+            <p:nvSpPr>
+              <p:cNvPr id="23" name="TextBox 22">
+                <a:extLst>
+                  <a:ext uri="{FF2B5EF4-FFF2-40B4-BE49-F238E27FC236}">
+                    <a16:creationId xmlns:a16="http://schemas.microsoft.com/office/drawing/2014/main" id="{D20FFB6D-C453-43B0-A92E-AAB009497B88}"/>
+                  </a:ext>
+                </a:extLst>
+              </p:cNvPr>
+              <p:cNvSpPr txBox="1">
+                <a:spLocks noRot="1" noChangeAspect="1" noMove="1" noResize="1" noEditPoints="1" noAdjustHandles="1" noChangeArrowheads="1" noChangeShapeType="1" noTextEdit="1"/>
+              </p:cNvSpPr>
+              <p:nvPr/>
+            </p:nvSpPr>
+            <p:spPr>
+              <a:xfrm>
+                <a:off x="4804215" y="5425440"/>
+                <a:ext cx="1243674" cy="276999"/>
+              </a:xfrm>
+              <a:prstGeom prst="rect">
+                <a:avLst/>
+              </a:prstGeom>
+              <a:blipFill>
+                <a:blip r:embed="rId4"/>
+                <a:stretch>
+                  <a:fillRect l="-3922" r="-3431" b="-15556"/>
+                </a:stretch>
+              </a:blipFill>
+            </p:spPr>
+            <p:txBody>
+              <a:bodyPr/>
+              <a:lstStyle/>
+              <a:p>
+                <a:r>
+                  <a:rPr lang="en-US">
+                    <a:noFill/>
+                  </a:rPr>
+                  <a:t> </a:t>
+                </a:r>
+              </a:p>
+            </p:txBody>
+          </p:sp>
+        </mc:Fallback>
+      </mc:AlternateContent>
+      <p:cxnSp>
+        <p:nvCxnSpPr>
+          <p:cNvPr id="24" name="Straight Arrow Connector 23">
+            <a:extLst>
+              <a:ext uri="{FF2B5EF4-FFF2-40B4-BE49-F238E27FC236}">
+                <a16:creationId xmlns:a16="http://schemas.microsoft.com/office/drawing/2014/main" id="{B8593587-7C02-4BFB-995C-EB34B96F9FA5}"/>
+              </a:ext>
+            </a:extLst>
+          </p:cNvPr>
+          <p:cNvCxnSpPr>
+            <a:cxnSpLocks/>
+          </p:cNvCxnSpPr>
+          <p:nvPr/>
+        </p:nvCxnSpPr>
+        <p:spPr>
+          <a:xfrm flipV="1">
+            <a:off x="4265976" y="4979804"/>
+            <a:ext cx="1069790" cy="482804"/>
+          </a:xfrm>
+          <a:prstGeom prst="straightConnector1">
+            <a:avLst/>
+          </a:prstGeom>
+          <a:ln>
+            <a:solidFill>
+              <a:srgbClr val="FF0000"/>
+            </a:solidFill>
+            <a:prstDash val="sysDash"/>
+            <a:tailEnd type="triangle"/>
+          </a:ln>
+        </p:spPr>
+        <p:style>
+          <a:lnRef idx="3">
+            <a:schemeClr val="accent2"/>
+          </a:lnRef>
+          <a:fillRef idx="0">
+            <a:schemeClr val="accent2"/>
+          </a:fillRef>
+          <a:effectRef idx="2">
+            <a:schemeClr val="accent2"/>
+          </a:effectRef>
+          <a:fontRef idx="minor">
+            <a:schemeClr val="tx1"/>
+          </a:fontRef>
+        </p:style>
+      </p:cxnSp>
+      <p:cxnSp>
+        <p:nvCxnSpPr>
+          <p:cNvPr id="32" name="Straight Arrow Connector 31">
+            <a:extLst>
+              <a:ext uri="{FF2B5EF4-FFF2-40B4-BE49-F238E27FC236}">
+                <a16:creationId xmlns:a16="http://schemas.microsoft.com/office/drawing/2014/main" id="{FF4B3C24-8229-4AB9-B033-4DEECA853130}"/>
+              </a:ext>
+            </a:extLst>
+          </p:cNvPr>
+          <p:cNvCxnSpPr>
+            <a:cxnSpLocks/>
+          </p:cNvCxnSpPr>
+          <p:nvPr/>
+        </p:nvCxnSpPr>
+        <p:spPr>
+          <a:xfrm flipH="1" flipV="1">
+            <a:off x="3864596" y="4596064"/>
+            <a:ext cx="388773" cy="847942"/>
+          </a:xfrm>
+          <a:prstGeom prst="straightConnector1">
+            <a:avLst/>
+          </a:prstGeom>
+          <a:ln>
+            <a:solidFill>
+              <a:srgbClr val="FF0000"/>
+            </a:solidFill>
+            <a:prstDash val="sysDash"/>
+            <a:tailEnd type="triangle"/>
+          </a:ln>
+        </p:spPr>
+        <p:style>
+          <a:lnRef idx="3">
+            <a:schemeClr val="accent2"/>
+          </a:lnRef>
+          <a:fillRef idx="0">
+            <a:schemeClr val="accent2"/>
+          </a:fillRef>
+          <a:effectRef idx="2">
+            <a:schemeClr val="accent2"/>
+          </a:effectRef>
+          <a:fontRef idx="minor">
+            <a:schemeClr val="tx1"/>
+          </a:fontRef>
+        </p:style>
+      </p:cxnSp>
+      <mc:AlternateContent xmlns:mc="http://schemas.openxmlformats.org/markup-compatibility/2006" xmlns:a14="http://schemas.microsoft.com/office/drawing/2010/main">
+        <mc:Choice Requires="a14">
+          <p:sp>
+            <p:nvSpPr>
+              <p:cNvPr id="35" name="TextBox 34">
+                <a:extLst>
+                  <a:ext uri="{FF2B5EF4-FFF2-40B4-BE49-F238E27FC236}">
+                    <a16:creationId xmlns:a16="http://schemas.microsoft.com/office/drawing/2014/main" id="{C6B1FD9E-B8BD-48F4-9810-496F79609784}"/>
+                  </a:ext>
+                </a:extLst>
+              </p:cNvPr>
+              <p:cNvSpPr txBox="1"/>
+              <p:nvPr/>
+            </p:nvSpPr>
+            <p:spPr>
+              <a:xfrm>
+                <a:off x="2502850" y="4526902"/>
+                <a:ext cx="1227067" cy="276999"/>
+              </a:xfrm>
+              <a:prstGeom prst="rect">
+                <a:avLst/>
+              </a:prstGeom>
+              <a:noFill/>
+            </p:spPr>
+            <p:txBody>
+              <a:bodyPr wrap="none" lIns="0" tIns="0" rIns="0" bIns="0" rtlCol="0">
+                <a:spAutoFit/>
+              </a:bodyPr>
+              <a:lstStyle/>
+              <a:p>
+                <a:pPr/>
+                <a14:m>
+                  <m:oMathPara xmlns:m="http://schemas.openxmlformats.org/officeDocument/2006/math">
+                    <m:oMathParaPr>
+                      <m:jc m:val="centerGroup"/>
+                    </m:oMathParaPr>
+                    <m:oMath xmlns:m="http://schemas.openxmlformats.org/officeDocument/2006/math">
+                      <m:sSub>
+                        <m:sSubPr>
+                          <m:ctrlPr>
+                            <a:rPr lang="en-US" b="0" i="1" smtClean="0">
+                              <a:solidFill>
+                                <a:srgbClr val="FF0000"/>
+                              </a:solidFill>
+                              <a:latin typeface="Cambria Math" panose="02040503050406030204" pitchFamily="18" charset="0"/>
+                            </a:rPr>
+                          </m:ctrlPr>
+                        </m:sSubPr>
+                        <m:e>
+                          <m:r>
+                            <a:rPr lang="en-US" b="0" i="1" smtClean="0">
+                              <a:solidFill>
+                                <a:srgbClr val="FF0000"/>
+                              </a:solidFill>
+                              <a:latin typeface="Cambria Math" panose="02040503050406030204" pitchFamily="18" charset="0"/>
+                            </a:rPr>
+                            <m:t>𝐹</m:t>
+                          </m:r>
+                        </m:e>
+                        <m:sub>
+                          <m:r>
+                            <a:rPr lang="en-US" b="0" i="1" smtClean="0">
+                              <a:solidFill>
+                                <a:srgbClr val="FF0000"/>
+                              </a:solidFill>
+                              <a:latin typeface="Cambria Math" panose="02040503050406030204" pitchFamily="18" charset="0"/>
+                            </a:rPr>
+                            <m:t>𝑛</m:t>
+                          </m:r>
+                        </m:sub>
+                      </m:sSub>
+                      <m:r>
+                        <a:rPr lang="en-US" b="0" i="1" smtClean="0">
+                          <a:solidFill>
+                            <a:srgbClr val="FF0000"/>
+                          </a:solidFill>
+                          <a:latin typeface="Cambria Math" panose="02040503050406030204" pitchFamily="18" charset="0"/>
+                        </a:rPr>
+                        <m:t>=</m:t>
+                      </m:r>
+                      <m:r>
+                        <a:rPr lang="en-US" b="0" i="1" smtClean="0">
+                          <a:solidFill>
+                            <a:srgbClr val="FF0000"/>
+                          </a:solidFill>
+                          <a:latin typeface="Cambria Math" panose="02040503050406030204" pitchFamily="18" charset="0"/>
+                        </a:rPr>
+                        <m:t>𝐹</m:t>
+                      </m:r>
+                      <m:func>
+                        <m:funcPr>
+                          <m:ctrlPr>
+                            <a:rPr lang="en-US" b="0" i="1" smtClean="0">
+                              <a:solidFill>
+                                <a:srgbClr val="FF0000"/>
+                              </a:solidFill>
+                              <a:latin typeface="Cambria Math" panose="02040503050406030204" pitchFamily="18" charset="0"/>
+                            </a:rPr>
+                          </m:ctrlPr>
+                        </m:funcPr>
+                        <m:fName>
+                          <m:r>
+                            <m:rPr>
+                              <m:sty m:val="p"/>
+                            </m:rPr>
+                            <a:rPr lang="en-US" b="0" i="0" smtClean="0">
+                              <a:solidFill>
+                                <a:srgbClr val="FF0000"/>
+                              </a:solidFill>
+                              <a:latin typeface="Cambria Math" panose="02040503050406030204" pitchFamily="18" charset="0"/>
+                            </a:rPr>
+                            <m:t>sin</m:t>
+                          </m:r>
+                        </m:fName>
+                        <m:e>
+                          <m:r>
+                            <a:rPr lang="en-US" b="0" i="1" smtClean="0">
+                              <a:solidFill>
+                                <a:srgbClr val="FF0000"/>
+                              </a:solidFill>
+                              <a:latin typeface="Cambria Math" panose="02040503050406030204" pitchFamily="18" charset="0"/>
+                              <a:ea typeface="Cambria Math" panose="02040503050406030204" pitchFamily="18" charset="0"/>
+                            </a:rPr>
+                            <m:t>𝜃</m:t>
+                          </m:r>
+                        </m:e>
+                      </m:func>
+                    </m:oMath>
+                  </m:oMathPara>
+                </a14:m>
+                <a:endParaRPr lang="en-US" dirty="0"/>
+              </a:p>
+            </p:txBody>
+          </p:sp>
+        </mc:Choice>
+        <mc:Fallback xmlns="">
+          <p:sp>
+            <p:nvSpPr>
+              <p:cNvPr id="35" name="TextBox 34">
+                <a:extLst>
+                  <a:ext uri="{FF2B5EF4-FFF2-40B4-BE49-F238E27FC236}">
+                    <a16:creationId xmlns:a16="http://schemas.microsoft.com/office/drawing/2014/main" id="{C6B1FD9E-B8BD-48F4-9810-496F79609784}"/>
+                  </a:ext>
+                </a:extLst>
+              </p:cNvPr>
+              <p:cNvSpPr txBox="1">
+                <a:spLocks noRot="1" noChangeAspect="1" noMove="1" noResize="1" noEditPoints="1" noAdjustHandles="1" noChangeArrowheads="1" noChangeShapeType="1" noTextEdit="1"/>
+              </p:cNvSpPr>
+              <p:nvPr/>
+            </p:nvSpPr>
+            <p:spPr>
+              <a:xfrm>
+                <a:off x="2502850" y="4526902"/>
+                <a:ext cx="1227067" cy="276999"/>
+              </a:xfrm>
+              <a:prstGeom prst="rect">
+                <a:avLst/>
+              </a:prstGeom>
+              <a:blipFill>
+                <a:blip r:embed="rId5"/>
+                <a:stretch>
+                  <a:fillRect l="-4478" r="-3483" b="-11111"/>
+                </a:stretch>
+              </a:blipFill>
+            </p:spPr>
+            <p:txBody>
+              <a:bodyPr/>
+              <a:lstStyle/>
+              <a:p>
+                <a:r>
+                  <a:rPr lang="en-US">
+                    <a:noFill/>
+                  </a:rPr>
+                  <a:t> </a:t>
+                </a:r>
+              </a:p>
+            </p:txBody>
+          </p:sp>
+        </mc:Fallback>
+      </mc:AlternateContent>
+      <mc:AlternateContent xmlns:mc="http://schemas.openxmlformats.org/markup-compatibility/2006" xmlns:a14="http://schemas.microsoft.com/office/drawing/2010/main">
+        <mc:Choice Requires="a14">
+          <p:sp>
+            <p:nvSpPr>
+              <p:cNvPr id="36" name="TextBox 35">
+                <a:extLst>
+                  <a:ext uri="{FF2B5EF4-FFF2-40B4-BE49-F238E27FC236}">
+                    <a16:creationId xmlns:a16="http://schemas.microsoft.com/office/drawing/2014/main" id="{33C009D7-2DE2-46A5-B1B3-8A24B7E4F43D}"/>
+                  </a:ext>
+                </a:extLst>
+              </p:cNvPr>
+              <p:cNvSpPr txBox="1"/>
+              <p:nvPr/>
+            </p:nvSpPr>
+            <p:spPr>
+              <a:xfrm>
+                <a:off x="5000071" y="4444301"/>
+                <a:ext cx="189475" cy="276999"/>
+              </a:xfrm>
+              <a:prstGeom prst="rect">
+                <a:avLst/>
+              </a:prstGeom>
+              <a:noFill/>
+            </p:spPr>
+            <p:txBody>
+              <a:bodyPr wrap="none" lIns="0" tIns="0" rIns="0" bIns="0" rtlCol="0">
+                <a:spAutoFit/>
+              </a:bodyPr>
+              <a:lstStyle/>
+              <a:p>
+                <a:pPr/>
+                <a14:m>
+                  <m:oMathPara xmlns:m="http://schemas.openxmlformats.org/officeDocument/2006/math">
+                    <m:oMathParaPr>
+                      <m:jc m:val="centerGroup"/>
+                    </m:oMathParaPr>
+                    <m:oMath xmlns:m="http://schemas.openxmlformats.org/officeDocument/2006/math">
+                      <m:r>
+                        <a:rPr lang="en-US" i="1" smtClean="0">
+                          <a:solidFill>
+                            <a:srgbClr val="0070C0"/>
+                          </a:solidFill>
+                          <a:latin typeface="Cambria Math" panose="02040503050406030204" pitchFamily="18" charset="0"/>
+                          <a:ea typeface="Cambria Math" panose="02040503050406030204" pitchFamily="18" charset="0"/>
+                        </a:rPr>
+                        <m:t>𝜃</m:t>
+                      </m:r>
+                    </m:oMath>
+                  </m:oMathPara>
+                </a14:m>
+                <a:endParaRPr lang="en-US" dirty="0"/>
+              </a:p>
+            </p:txBody>
+          </p:sp>
+        </mc:Choice>
+        <mc:Fallback xmlns="">
+          <p:sp>
+            <p:nvSpPr>
+              <p:cNvPr id="36" name="TextBox 35">
+                <a:extLst>
+                  <a:ext uri="{FF2B5EF4-FFF2-40B4-BE49-F238E27FC236}">
+                    <a16:creationId xmlns:a16="http://schemas.microsoft.com/office/drawing/2014/main" id="{33C009D7-2DE2-46A5-B1B3-8A24B7E4F43D}"/>
+                  </a:ext>
+                </a:extLst>
+              </p:cNvPr>
+              <p:cNvSpPr txBox="1">
+                <a:spLocks noRot="1" noChangeAspect="1" noMove="1" noResize="1" noEditPoints="1" noAdjustHandles="1" noChangeArrowheads="1" noChangeShapeType="1" noTextEdit="1"/>
+              </p:cNvSpPr>
+              <p:nvPr/>
+            </p:nvSpPr>
+            <p:spPr>
+              <a:xfrm>
+                <a:off x="5000071" y="4444301"/>
+                <a:ext cx="189475" cy="276999"/>
+              </a:xfrm>
+              <a:prstGeom prst="rect">
+                <a:avLst/>
+              </a:prstGeom>
+              <a:blipFill>
+                <a:blip r:embed="rId6"/>
+                <a:stretch>
+                  <a:fillRect l="-29032" r="-25806" b="-8889"/>
+                </a:stretch>
+              </a:blipFill>
+            </p:spPr>
+            <p:txBody>
+              <a:bodyPr/>
+              <a:lstStyle/>
+              <a:p>
+                <a:r>
+                  <a:rPr lang="en-US">
+                    <a:noFill/>
+                  </a:rPr>
+                  <a:t> </a:t>
+                </a:r>
+              </a:p>
+            </p:txBody>
+          </p:sp>
+        </mc:Fallback>
+      </mc:AlternateContent>
+      <p:sp>
+        <p:nvSpPr>
+          <p:cNvPr id="18" name="Content Placeholder 2">
+            <a:extLst>
+              <a:ext uri="{FF2B5EF4-FFF2-40B4-BE49-F238E27FC236}">
+                <a16:creationId xmlns:a16="http://schemas.microsoft.com/office/drawing/2014/main" id="{2551E3BC-6A33-4555-828B-587944ED6B7E}"/>
+              </a:ext>
+            </a:extLst>
+          </p:cNvPr>
+          <p:cNvSpPr>
+            <a:spLocks noGrp="1"/>
+          </p:cNvSpPr>
+          <p:nvPr>
+            <p:ph idx="1"/>
+          </p:nvPr>
+        </p:nvSpPr>
+        <p:spPr>
+          <a:xfrm>
+            <a:off x="457200" y="1600201"/>
+            <a:ext cx="8229600" cy="1619288"/>
+          </a:xfrm>
+        </p:spPr>
+        <p:txBody>
+          <a:bodyPr>
+            <a:normAutofit fontScale="85000" lnSpcReduction="20000"/>
+          </a:bodyPr>
+          <a:lstStyle/>
+          <a:p>
+            <a:r>
+              <a:rPr lang="en-US" dirty="0"/>
+              <a:t>We will fill in details on the forces in each direction using a free body diagram.</a:t>
+            </a:r>
+          </a:p>
+          <a:p>
+            <a:r>
+              <a:rPr lang="en-US" dirty="0"/>
+              <a:t>It’s important break any known of unknown forces down into n and t components.</a:t>
+            </a:r>
+          </a:p>
+          <a:p>
+            <a:pPr marL="0" indent="0" algn="ctr">
+              <a:buNone/>
+            </a:pPr>
+            <a:endParaRPr lang="en-US" dirty="0"/>
+          </a:p>
+        </p:txBody>
+      </p:sp>
+    </p:spTree>
+    <p:extLst>
+      <p:ext uri="{BB962C8B-B14F-4D97-AF65-F5344CB8AC3E}">
+        <p14:creationId xmlns:p14="http://schemas.microsoft.com/office/powerpoint/2010/main" val="4101512756"/>
+      </p:ext>
+    </p:extLst>
+  </p:cSld>
+  <p:clrMapOvr>
+    <a:masterClrMapping/>
+  </p:clrMapOvr>
+  <p:timing>
+    <p:tnLst>
+      <p:par>
+        <p:cTn id="1" dur="indefinite" restart="never" nodeType="tmRoot">
+          <p:childTnLst>
+            <p:seq concurrent="1" nextAc="seek">
+              <p:cTn id="2" dur="indefinite" nodeType="mainSeq">
+                <p:childTnLst>
+                  <p:par>
+                    <p:cTn id="3" fill="hold">
+                      <p:stCondLst>
+                        <p:cond delay="indefinite"/>
+                      </p:stCondLst>
+                      <p:childTnLst>
+                        <p:par>
+                          <p:cTn id="4" fill="hold">
+                            <p:stCondLst>
+                              <p:cond delay="0"/>
+                            </p:stCondLst>
+                            <p:childTnLst>
+                              <p:par>
+                                <p:cTn id="5" presetID="1" presetClass="entr" presetSubtype="0" fill="hold" grpId="0" nodeType="clickEffect">
+                                  <p:stCondLst>
+                                    <p:cond delay="0"/>
+                                  </p:stCondLst>
+                                  <p:childTnLst>
+                                    <p:set>
+                                      <p:cBhvr>
+                                        <p:cTn id="6" dur="1" fill="hold">
+                                          <p:stCondLst>
+                                            <p:cond delay="0"/>
+                                          </p:stCondLst>
+                                        </p:cTn>
+                                        <p:tgtEl>
+                                          <p:spTgt spid="18">
+                                            <p:txEl>
+                                              <p:pRg st="0" end="0"/>
+                                            </p:txEl>
+                                          </p:spTgt>
+                                        </p:tgtEl>
+                                        <p:attrNameLst>
+                                          <p:attrName>style.visibility</p:attrName>
+                                        </p:attrNameLst>
+                                      </p:cBhvr>
+                                      <p:to>
+                                        <p:strVal val="visible"/>
+                                      </p:to>
+                                    </p:set>
+                                  </p:childTnLst>
+                                </p:cTn>
+                              </p:par>
+                            </p:childTnLst>
+                          </p:cTn>
+                        </p:par>
+                      </p:childTnLst>
+                    </p:cTn>
+                  </p:par>
+                  <p:par>
+                    <p:cTn id="7" fill="hold">
+                      <p:stCondLst>
+                        <p:cond delay="indefinite"/>
+                      </p:stCondLst>
+                      <p:childTnLst>
+                        <p:par>
+                          <p:cTn id="8" fill="hold">
+                            <p:stCondLst>
+                              <p:cond delay="0"/>
+                            </p:stCondLst>
+                            <p:childTnLst>
+                              <p:par>
+                                <p:cTn id="9" presetID="1" presetClass="entr" presetSubtype="0" fill="hold" grpId="0" nodeType="clickEffect">
+                                  <p:stCondLst>
+                                    <p:cond delay="0"/>
+                                  </p:stCondLst>
+                                  <p:childTnLst>
+                                    <p:set>
+                                      <p:cBhvr>
+                                        <p:cTn id="10" dur="1" fill="hold">
+                                          <p:stCondLst>
+                                            <p:cond delay="0"/>
+                                          </p:stCondLst>
+                                        </p:cTn>
+                                        <p:tgtEl>
+                                          <p:spTgt spid="21"/>
+                                        </p:tgtEl>
+                                        <p:attrNameLst>
+                                          <p:attrName>style.visibility</p:attrName>
+                                        </p:attrNameLst>
+                                      </p:cBhvr>
+                                      <p:to>
+                                        <p:strVal val="visible"/>
+                                      </p:to>
+                                    </p:set>
+                                  </p:childTnLst>
+                                </p:cTn>
+                              </p:par>
+                              <p:par>
+                                <p:cTn id="11" presetID="1" presetClass="entr" presetSubtype="0" fill="hold" nodeType="withEffect">
+                                  <p:stCondLst>
+                                    <p:cond delay="0"/>
+                                  </p:stCondLst>
+                                  <p:childTnLst>
+                                    <p:set>
+                                      <p:cBhvr>
+                                        <p:cTn id="12" dur="1" fill="hold">
+                                          <p:stCondLst>
+                                            <p:cond delay="0"/>
+                                          </p:stCondLst>
+                                        </p:cTn>
+                                        <p:tgtEl>
+                                          <p:spTgt spid="19"/>
+                                        </p:tgtEl>
+                                        <p:attrNameLst>
+                                          <p:attrName>style.visibility</p:attrName>
+                                        </p:attrNameLst>
+                                      </p:cBhvr>
+                                      <p:to>
+                                        <p:strVal val="visible"/>
+                                      </p:to>
+                                    </p:set>
+                                  </p:childTnLst>
+                                </p:cTn>
+                              </p:par>
+                              <p:par>
+                                <p:cTn id="13" presetID="1" presetClass="entr" presetSubtype="0" fill="hold" grpId="0" nodeType="withEffect">
+                                  <p:stCondLst>
+                                    <p:cond delay="0"/>
+                                  </p:stCondLst>
+                                  <p:childTnLst>
+                                    <p:set>
+                                      <p:cBhvr>
+                                        <p:cTn id="14" dur="1" fill="hold">
+                                          <p:stCondLst>
+                                            <p:cond delay="0"/>
+                                          </p:stCondLst>
+                                        </p:cTn>
+                                        <p:tgtEl>
+                                          <p:spTgt spid="22"/>
+                                        </p:tgtEl>
+                                        <p:attrNameLst>
+                                          <p:attrName>style.visibility</p:attrName>
+                                        </p:attrNameLst>
+                                      </p:cBhvr>
+                                      <p:to>
+                                        <p:strVal val="visible"/>
+                                      </p:to>
+                                    </p:set>
+                                  </p:childTnLst>
+                                </p:cTn>
+                              </p:par>
+                              <p:par>
+                                <p:cTn id="15" presetID="1" presetClass="entr" presetSubtype="0" fill="hold" nodeType="withEffect">
+                                  <p:stCondLst>
+                                    <p:cond delay="0"/>
+                                  </p:stCondLst>
+                                  <p:childTnLst>
+                                    <p:set>
+                                      <p:cBhvr>
+                                        <p:cTn id="16" dur="1" fill="hold">
+                                          <p:stCondLst>
+                                            <p:cond delay="0"/>
+                                          </p:stCondLst>
+                                        </p:cTn>
+                                        <p:tgtEl>
+                                          <p:spTgt spid="17"/>
+                                        </p:tgtEl>
+                                        <p:attrNameLst>
+                                          <p:attrName>style.visibility</p:attrName>
+                                        </p:attrNameLst>
+                                      </p:cBhvr>
+                                      <p:to>
+                                        <p:strVal val="visible"/>
+                                      </p:to>
+                                    </p:set>
+                                  </p:childTnLst>
+                                </p:cTn>
+                              </p:par>
+                              <p:par>
+                                <p:cTn id="17" presetID="1" presetClass="entr" presetSubtype="0" fill="hold" grpId="0" nodeType="withEffect">
+                                  <p:stCondLst>
+                                    <p:cond delay="0"/>
+                                  </p:stCondLst>
+                                  <p:childTnLst>
+                                    <p:set>
+                                      <p:cBhvr>
+                                        <p:cTn id="18" dur="1" fill="hold">
+                                          <p:stCondLst>
+                                            <p:cond delay="0"/>
+                                          </p:stCondLst>
+                                        </p:cTn>
+                                        <p:tgtEl>
+                                          <p:spTgt spid="36"/>
+                                        </p:tgtEl>
+                                        <p:attrNameLst>
+                                          <p:attrName>style.visibility</p:attrName>
+                                        </p:attrNameLst>
+                                      </p:cBhvr>
+                                      <p:to>
+                                        <p:strVal val="visible"/>
+                                      </p:to>
+                                    </p:set>
+                                  </p:childTnLst>
+                                </p:cTn>
+                              </p:par>
+                              <p:par>
+                                <p:cTn id="19" presetID="1" presetClass="entr" presetSubtype="0" fill="hold" grpId="0" nodeType="withEffect">
+                                  <p:stCondLst>
+                                    <p:cond delay="0"/>
+                                  </p:stCondLst>
+                                  <p:childTnLst>
+                                    <p:set>
+                                      <p:cBhvr>
+                                        <p:cTn id="20" dur="1" fill="hold">
+                                          <p:stCondLst>
+                                            <p:cond delay="0"/>
+                                          </p:stCondLst>
+                                        </p:cTn>
+                                        <p:tgtEl>
+                                          <p:spTgt spid="7"/>
+                                        </p:tgtEl>
+                                        <p:attrNameLst>
+                                          <p:attrName>style.visibility</p:attrName>
+                                        </p:attrNameLst>
+                                      </p:cBhvr>
+                                      <p:to>
+                                        <p:strVal val="visible"/>
+                                      </p:to>
+                                    </p:set>
+                                  </p:childTnLst>
+                                </p:cTn>
+                              </p:par>
+                              <p:par>
+                                <p:cTn id="21" presetID="1" presetClass="entr" presetSubtype="0" fill="hold" grpId="0" nodeType="withEffect">
+                                  <p:stCondLst>
+                                    <p:cond delay="0"/>
+                                  </p:stCondLst>
+                                  <p:childTnLst>
+                                    <p:set>
+                                      <p:cBhvr>
+                                        <p:cTn id="22" dur="1" fill="hold">
+                                          <p:stCondLst>
+                                            <p:cond delay="0"/>
+                                          </p:stCondLst>
+                                        </p:cTn>
+                                        <p:tgtEl>
+                                          <p:spTgt spid="8"/>
+                                        </p:tgtEl>
+                                        <p:attrNameLst>
+                                          <p:attrName>style.visibility</p:attrName>
+                                        </p:attrNameLst>
+                                      </p:cBhvr>
+                                      <p:to>
+                                        <p:strVal val="visible"/>
+                                      </p:to>
+                                    </p:set>
+                                  </p:childTnLst>
+                                </p:cTn>
+                              </p:par>
+                            </p:childTnLst>
+                          </p:cTn>
+                        </p:par>
+                      </p:childTnLst>
+                    </p:cTn>
+                  </p:par>
+                  <p:par>
+                    <p:cTn id="23" fill="hold">
+                      <p:stCondLst>
+                        <p:cond delay="indefinite"/>
+                      </p:stCondLst>
+                      <p:childTnLst>
+                        <p:par>
+                          <p:cTn id="24" fill="hold">
+                            <p:stCondLst>
+                              <p:cond delay="0"/>
+                            </p:stCondLst>
+                            <p:childTnLst>
+                              <p:par>
+                                <p:cTn id="25" presetID="1" presetClass="entr" presetSubtype="0" fill="hold" grpId="0" nodeType="clickEffect">
+                                  <p:stCondLst>
+                                    <p:cond delay="0"/>
+                                  </p:stCondLst>
+                                  <p:childTnLst>
+                                    <p:set>
+                                      <p:cBhvr>
+                                        <p:cTn id="26" dur="1" fill="hold">
+                                          <p:stCondLst>
+                                            <p:cond delay="0"/>
+                                          </p:stCondLst>
+                                        </p:cTn>
+                                        <p:tgtEl>
+                                          <p:spTgt spid="18">
+                                            <p:txEl>
+                                              <p:pRg st="1" end="1"/>
+                                            </p:txEl>
+                                          </p:spTgt>
+                                        </p:tgtEl>
+                                        <p:attrNameLst>
+                                          <p:attrName>style.visibility</p:attrName>
+                                        </p:attrNameLst>
+                                      </p:cBhvr>
+                                      <p:to>
+                                        <p:strVal val="visible"/>
+                                      </p:to>
+                                    </p:set>
+                                  </p:childTnLst>
+                                </p:cTn>
+                              </p:par>
+                            </p:childTnLst>
+                          </p:cTn>
+                        </p:par>
+                      </p:childTnLst>
+                    </p:cTn>
+                  </p:par>
+                  <p:par>
+                    <p:cTn id="27" fill="hold">
+                      <p:stCondLst>
+                        <p:cond delay="indefinite"/>
+                      </p:stCondLst>
+                      <p:childTnLst>
+                        <p:par>
+                          <p:cTn id="28" fill="hold">
+                            <p:stCondLst>
+                              <p:cond delay="0"/>
+                            </p:stCondLst>
+                            <p:childTnLst>
+                              <p:par>
+                                <p:cTn id="29" presetID="1" presetClass="entr" presetSubtype="0" fill="hold" grpId="0" nodeType="clickEffect">
+                                  <p:stCondLst>
+                                    <p:cond delay="0"/>
+                                  </p:stCondLst>
+                                  <p:childTnLst>
+                                    <p:set>
+                                      <p:cBhvr>
+                                        <p:cTn id="30" dur="1" fill="hold">
+                                          <p:stCondLst>
+                                            <p:cond delay="0"/>
+                                          </p:stCondLst>
+                                        </p:cTn>
+                                        <p:tgtEl>
+                                          <p:spTgt spid="35"/>
+                                        </p:tgtEl>
+                                        <p:attrNameLst>
+                                          <p:attrName>style.visibility</p:attrName>
+                                        </p:attrNameLst>
+                                      </p:cBhvr>
+                                      <p:to>
+                                        <p:strVal val="visible"/>
+                                      </p:to>
+                                    </p:set>
+                                  </p:childTnLst>
+                                </p:cTn>
+                              </p:par>
+                              <p:par>
+                                <p:cTn id="31" presetID="1" presetClass="entr" presetSubtype="0" fill="hold" nodeType="withEffect">
+                                  <p:stCondLst>
+                                    <p:cond delay="0"/>
+                                  </p:stCondLst>
+                                  <p:childTnLst>
+                                    <p:set>
+                                      <p:cBhvr>
+                                        <p:cTn id="32" dur="1" fill="hold">
+                                          <p:stCondLst>
+                                            <p:cond delay="0"/>
+                                          </p:stCondLst>
+                                        </p:cTn>
+                                        <p:tgtEl>
+                                          <p:spTgt spid="32"/>
+                                        </p:tgtEl>
+                                        <p:attrNameLst>
+                                          <p:attrName>style.visibility</p:attrName>
+                                        </p:attrNameLst>
+                                      </p:cBhvr>
+                                      <p:to>
+                                        <p:strVal val="visible"/>
+                                      </p:to>
+                                    </p:set>
+                                  </p:childTnLst>
+                                </p:cTn>
+                              </p:par>
+                              <p:par>
+                                <p:cTn id="33" presetID="1" presetClass="entr" presetSubtype="0" fill="hold" grpId="0" nodeType="withEffect">
+                                  <p:stCondLst>
+                                    <p:cond delay="0"/>
+                                  </p:stCondLst>
+                                  <p:childTnLst>
+                                    <p:set>
+                                      <p:cBhvr>
+                                        <p:cTn id="34" dur="1" fill="hold">
+                                          <p:stCondLst>
+                                            <p:cond delay="0"/>
+                                          </p:stCondLst>
+                                        </p:cTn>
+                                        <p:tgtEl>
+                                          <p:spTgt spid="23"/>
+                                        </p:tgtEl>
+                                        <p:attrNameLst>
+                                          <p:attrName>style.visibility</p:attrName>
+                                        </p:attrNameLst>
+                                      </p:cBhvr>
+                                      <p:to>
+                                        <p:strVal val="visible"/>
+                                      </p:to>
+                                    </p:set>
+                                  </p:childTnLst>
+                                </p:cTn>
+                              </p:par>
+                              <p:par>
+                                <p:cTn id="35" presetID="1" presetClass="entr" presetSubtype="0" fill="hold" nodeType="withEffect">
+                                  <p:stCondLst>
+                                    <p:cond delay="0"/>
+                                  </p:stCondLst>
+                                  <p:childTnLst>
+                                    <p:set>
+                                      <p:cBhvr>
+                                        <p:cTn id="36" dur="1" fill="hold">
+                                          <p:stCondLst>
+                                            <p:cond delay="0"/>
+                                          </p:stCondLst>
+                                        </p:cTn>
+                                        <p:tgtEl>
+                                          <p:spTgt spid="24"/>
+                                        </p:tgtEl>
+                                        <p:attrNameLst>
+                                          <p:attrName>style.visibility</p:attrName>
+                                        </p:attrNameLst>
+                                      </p:cBhvr>
+                                      <p:to>
+                                        <p:strVal val="visible"/>
+                                      </p:to>
+                                    </p:set>
+                                  </p:childTnLst>
+                                </p:cTn>
+                              </p:par>
+                            </p:childTnLst>
+                          </p:cTn>
+                        </p:par>
+                      </p:childTnLst>
+                    </p:cTn>
+                  </p:par>
+                </p:childTnLst>
+              </p:cTn>
+              <p:prevCondLst>
+                <p:cond evt="onPrev" delay="0">
+                  <p:tgtEl>
+                    <p:sldTgt/>
+                  </p:tgtEl>
+                </p:cond>
+              </p:prevCondLst>
+              <p:nextCondLst>
+                <p:cond evt="onNext" delay="0">
+                  <p:tgtEl>
+                    <p:sldTgt/>
+                  </p:tgtEl>
+                </p:cond>
+              </p:nextCondLst>
+            </p:seq>
+          </p:childTnLst>
+        </p:cTn>
+      </p:par>
+    </p:tnLst>
+    <p:bldLst>
+      <p:bldP spid="7" grpId="0"/>
+      <p:bldP spid="8" grpId="0"/>
+      <p:bldP spid="21" grpId="0" animBg="1"/>
+      <p:bldP spid="22" grpId="0"/>
+      <p:bldP spid="23" grpId="0"/>
+      <p:bldP spid="35" grpId="0"/>
+      <p:bldP spid="36" grpId="0"/>
+      <p:bldP spid="18" grpId="0" uiExpand="1" build="p"/>
+    </p:bldLst>
+  </p:timing>
+</p:sld>
+</file>
+
+<file path=ppt/slides/slide5.xml><?xml version="1.0" encoding="utf-8"?>
+<p:sld xmlns:a="http://schemas.openxmlformats.org/drawingml/2006/main" xmlns:r="http://schemas.openxmlformats.org/officeDocument/2006/relationships" xmlns:p="http://schemas.openxmlformats.org/presentationml/2006/main">
+  <p:cSld>
+    <p:spTree>
+      <p:nvGrpSpPr>
+        <p:cNvPr id="1" name=""/>
+        <p:cNvGrpSpPr/>
+        <p:nvPr/>
+      </p:nvGrpSpPr>
+      <p:grpSpPr>
+        <a:xfrm>
+          <a:off x="0" y="0"/>
+          <a:ext cx="0" cy="0"/>
+          <a:chOff x="0" y="0"/>
+          <a:chExt cx="0" cy="0"/>
+        </a:xfrm>
+      </p:grpSpPr>
+      <p:sp>
+        <p:nvSpPr>
+          <p:cNvPr id="2" name="Title 1"/>
+          <p:cNvSpPr>
+            <a:spLocks noGrp="1"/>
+          </p:cNvSpPr>
+          <p:nvPr>
+            <p:ph type="title"/>
+          </p:nvPr>
+        </p:nvSpPr>
+        <p:spPr/>
+        <p:txBody>
+          <a:bodyPr>
+            <a:normAutofit fontScale="90000"/>
+          </a:bodyPr>
+          <a:lstStyle/>
+          <a:p>
+            <a:r>
+              <a:rPr lang="en-US" dirty="0"/>
+              <a:t>Acceleration in Normal/Tangential Coordinates</a:t>
+            </a:r>
+          </a:p>
+        </p:txBody>
+      </p:sp>
+      <p:sp>
+        <p:nvSpPr>
+          <p:cNvPr id="3" name="Content Placeholder 2"/>
+          <p:cNvSpPr>
+            <a:spLocks noGrp="1"/>
+          </p:cNvSpPr>
+          <p:nvPr>
+            <p:ph idx="1"/>
+          </p:nvPr>
+        </p:nvSpPr>
+        <p:spPr>
+          <a:xfrm>
+            <a:off x="457200" y="1600199"/>
+            <a:ext cx="8229600" cy="2312247"/>
+          </a:xfrm>
+        </p:spPr>
+        <p:txBody>
+          <a:bodyPr>
+            <a:normAutofit fontScale="92500" lnSpcReduction="10000"/>
+          </a:bodyPr>
+          <a:lstStyle/>
+          <a:p>
+            <a:r>
+              <a:rPr lang="en-US" dirty="0"/>
+              <a:t>We will fill in details on the accelerations by looking back at the kinematics</a:t>
+            </a:r>
+          </a:p>
+          <a:p>
+            <a:r>
+              <a:rPr lang="en-US" dirty="0"/>
+              <a:t>When examining the kinematics of normal tangential coordinates, we found the acceleration in normal / tangential directions to be...</a:t>
+            </a:r>
+          </a:p>
+          <a:p>
+            <a:pPr marL="0" indent="0">
+              <a:buNone/>
+            </a:pPr>
+            <a:endParaRPr lang="en-US" dirty="0"/>
+          </a:p>
+          <a:p>
+            <a:pPr marL="0" indent="0">
+              <a:buNone/>
+            </a:pPr>
+            <a:endParaRPr lang="en-US" dirty="0"/>
+          </a:p>
+          <a:p>
+            <a:pPr marL="0" indent="0">
+              <a:buNone/>
+            </a:pPr>
+            <a:endParaRPr lang="en-US" dirty="0"/>
+          </a:p>
+          <a:p>
+            <a:endParaRPr lang="en-US" dirty="0"/>
+          </a:p>
+        </p:txBody>
+      </p:sp>
+      <p:sp>
+        <p:nvSpPr>
+          <p:cNvPr id="4" name="Slide Number Placeholder 3"/>
+          <p:cNvSpPr>
+            <a:spLocks noGrp="1"/>
+          </p:cNvSpPr>
+          <p:nvPr>
+            <p:ph type="sldNum" sz="quarter" idx="12"/>
+          </p:nvPr>
+        </p:nvSpPr>
+        <p:spPr/>
+        <p:txBody>
+          <a:bodyPr/>
+          <a:lstStyle/>
+          <a:p>
+            <a:fld id="{929262FE-7F58-4A1E-8AF3-5A510A86DEBD}" type="slidenum">
+              <a:rPr lang="en-US" smtClean="0"/>
+              <a:t>5</a:t>
+            </a:fld>
+            <a:endParaRPr lang="en-US"/>
+          </a:p>
+        </p:txBody>
+      </p:sp>
+      <mc:AlternateContent xmlns:mc="http://schemas.openxmlformats.org/markup-compatibility/2006" xmlns:a14="http://schemas.microsoft.com/office/drawing/2010/main">
+        <mc:Choice Requires="a14">
+          <p:sp>
+            <p:nvSpPr>
+              <p:cNvPr id="5" name="Rectangle 4"/>
+              <p:cNvSpPr/>
+              <p:nvPr/>
+            </p:nvSpPr>
+            <p:spPr>
+              <a:xfrm>
+                <a:off x="5758719" y="4800600"/>
+                <a:ext cx="1588961" cy="646331"/>
+              </a:xfrm>
+              <a:prstGeom prst="rect">
+                <a:avLst/>
+              </a:prstGeom>
+            </p:spPr>
+            <p:txBody>
+              <a:bodyPr wrap="none">
+                <a:spAutoFit/>
+              </a:bodyPr>
+              <a:lstStyle/>
+              <a:p>
+                <a:pPr/>
+                <a14:m>
+                  <m:oMathPara xmlns:m="http://schemas.openxmlformats.org/officeDocument/2006/math">
+                    <m:oMathParaPr>
+                      <m:jc m:val="centerGroup"/>
+                    </m:oMathParaPr>
+                    <m:oMath xmlns:m="http://schemas.openxmlformats.org/officeDocument/2006/math">
+                      <m:sSub>
+                        <m:sSubPr>
+                          <m:ctrlPr>
+                            <a:rPr lang="en-US" sz="3600" i="1" smtClean="0">
+                              <a:latin typeface="Cambria Math" panose="02040503050406030204" pitchFamily="18" charset="0"/>
+                            </a:rPr>
+                          </m:ctrlPr>
+                        </m:sSubPr>
+                        <m:e>
+                          <m:r>
+                            <a:rPr lang="en-US" sz="3600" b="0" i="1" smtClean="0">
+                              <a:latin typeface="Cambria Math" panose="02040503050406030204" pitchFamily="18" charset="0"/>
+                            </a:rPr>
+                            <m:t>𝑎</m:t>
+                          </m:r>
+                        </m:e>
+                        <m:sub>
+                          <m:r>
+                            <a:rPr lang="en-US" sz="3600" b="0" i="1" smtClean="0">
+                              <a:latin typeface="Cambria Math" panose="02040503050406030204" pitchFamily="18" charset="0"/>
+                            </a:rPr>
+                            <m:t>𝑡</m:t>
+                          </m:r>
+                        </m:sub>
+                      </m:sSub>
+                      <m:r>
+                        <a:rPr lang="en-US" sz="3600" b="0" i="1" smtClean="0">
+                          <a:latin typeface="Cambria Math" panose="02040503050406030204" pitchFamily="18" charset="0"/>
+                        </a:rPr>
+                        <m:t>=</m:t>
+                      </m:r>
+                      <m:acc>
+                        <m:accPr>
+                          <m:chr m:val="̇"/>
+                          <m:ctrlPr>
+                            <a:rPr lang="en-US" sz="3600" i="1">
+                              <a:latin typeface="Cambria Math" panose="02040503050406030204" pitchFamily="18" charset="0"/>
+                            </a:rPr>
+                          </m:ctrlPr>
+                        </m:accPr>
+                        <m:e>
+                          <m:r>
+                            <a:rPr lang="en-US" sz="3600" i="1">
+                              <a:latin typeface="Cambria Math"/>
+                            </a:rPr>
+                            <m:t>𝑣</m:t>
+                          </m:r>
+                        </m:e>
+                      </m:acc>
+                    </m:oMath>
+                  </m:oMathPara>
+                </a14:m>
+                <a:endParaRPr lang="en-US" sz="2400" dirty="0"/>
+              </a:p>
+            </p:txBody>
+          </p:sp>
+        </mc:Choice>
+        <mc:Fallback xmlns="">
+          <p:sp>
+            <p:nvSpPr>
+              <p:cNvPr id="5" name="Rectangle 4"/>
+              <p:cNvSpPr>
+                <a:spLocks noRot="1" noChangeAspect="1" noMove="1" noResize="1" noEditPoints="1" noAdjustHandles="1" noChangeArrowheads="1" noChangeShapeType="1" noTextEdit="1"/>
+              </p:cNvSpPr>
+              <p:nvPr/>
+            </p:nvSpPr>
+            <p:spPr>
+              <a:xfrm>
+                <a:off x="5758719" y="4800600"/>
+                <a:ext cx="1588961" cy="646331"/>
+              </a:xfrm>
+              <a:prstGeom prst="rect">
+                <a:avLst/>
+              </a:prstGeom>
+              <a:blipFill>
+                <a:blip r:embed="rId2"/>
+                <a:stretch>
+                  <a:fillRect/>
+                </a:stretch>
+              </a:blipFill>
+            </p:spPr>
+            <p:txBody>
+              <a:bodyPr/>
+              <a:lstStyle/>
+              <a:p>
+                <a:r>
+                  <a:rPr lang="en-US">
+                    <a:noFill/>
+                  </a:rPr>
+                  <a:t> </a:t>
+                </a:r>
+              </a:p>
+            </p:txBody>
+          </p:sp>
+        </mc:Fallback>
+      </mc:AlternateContent>
+      <mc:AlternateContent xmlns:mc="http://schemas.openxmlformats.org/markup-compatibility/2006" xmlns:a14="http://schemas.microsoft.com/office/drawing/2010/main">
+        <mc:Choice Requires="a14">
+          <p:sp>
+            <p:nvSpPr>
+              <p:cNvPr id="6" name="Rectangle 5"/>
+              <p:cNvSpPr/>
+              <p:nvPr/>
+            </p:nvSpPr>
+            <p:spPr>
+              <a:xfrm>
+                <a:off x="1371600" y="4495800"/>
+                <a:ext cx="3041474" cy="1297728"/>
+              </a:xfrm>
+              <a:prstGeom prst="rect">
+                <a:avLst/>
+              </a:prstGeom>
+            </p:spPr>
+            <p:txBody>
+              <a:bodyPr wrap="none">
+                <a:spAutoFit/>
+              </a:bodyPr>
+              <a:lstStyle/>
+              <a:p>
+                <a:pPr/>
+                <a14:m>
+                  <m:oMathPara xmlns:m="http://schemas.openxmlformats.org/officeDocument/2006/math">
+                    <m:oMathParaPr>
+                      <m:jc m:val="centerGroup"/>
+                    </m:oMathParaPr>
+                    <m:oMath xmlns:m="http://schemas.openxmlformats.org/officeDocument/2006/math">
+                      <m:sSub>
+                        <m:sSubPr>
+                          <m:ctrlPr>
+                            <a:rPr lang="en-US" sz="3600" i="1" smtClean="0">
+                              <a:latin typeface="Cambria Math" panose="02040503050406030204" pitchFamily="18" charset="0"/>
+                            </a:rPr>
+                          </m:ctrlPr>
+                        </m:sSubPr>
+                        <m:e>
+                          <m:r>
+                            <a:rPr lang="en-US" sz="3600" b="0" i="1" smtClean="0">
+                              <a:latin typeface="Cambria Math" panose="02040503050406030204" pitchFamily="18" charset="0"/>
+                            </a:rPr>
+                            <m:t>𝑎</m:t>
+                          </m:r>
+                        </m:e>
+                        <m:sub>
+                          <m:r>
+                            <a:rPr lang="en-US" sz="3600" b="0" i="1" smtClean="0">
+                              <a:latin typeface="Cambria Math" panose="02040503050406030204" pitchFamily="18" charset="0"/>
+                            </a:rPr>
+                            <m:t>𝑁</m:t>
+                          </m:r>
+                        </m:sub>
+                      </m:sSub>
+                      <m:r>
+                        <a:rPr lang="en-US" sz="3600" b="0" i="1" smtClean="0">
+                          <a:latin typeface="Cambria Math" panose="02040503050406030204" pitchFamily="18" charset="0"/>
+                        </a:rPr>
+                        <m:t>=</m:t>
+                      </m:r>
+                      <m:r>
+                        <a:rPr lang="en-US" sz="3600" i="1">
+                          <a:latin typeface="Cambria Math"/>
+                        </a:rPr>
+                        <m:t>𝑣</m:t>
+                      </m:r>
+                      <m:acc>
+                        <m:accPr>
+                          <m:chr m:val="̇"/>
+                          <m:ctrlPr>
+                            <a:rPr lang="en-US" sz="3600" i="1">
+                              <a:latin typeface="Cambria Math" panose="02040503050406030204" pitchFamily="18" charset="0"/>
+                            </a:rPr>
+                          </m:ctrlPr>
+                        </m:accPr>
+                        <m:e>
+                          <m:r>
+                            <m:rPr>
+                              <m:sty m:val="p"/>
+                            </m:rPr>
+                            <a:rPr lang="el-GR" sz="3600" i="1">
+                              <a:latin typeface="Cambria Math"/>
+                              <a:ea typeface="Cambria Math"/>
+                            </a:rPr>
+                            <m:t>θ</m:t>
+                          </m:r>
+                        </m:e>
+                      </m:acc>
+                      <m:r>
+                        <a:rPr lang="en-US" sz="3600" b="0" i="0" smtClean="0">
+                          <a:latin typeface="Cambria Math" panose="02040503050406030204" pitchFamily="18" charset="0"/>
+                          <a:ea typeface="Cambria Math"/>
+                        </a:rPr>
+                        <m:t>=</m:t>
+                      </m:r>
+                      <m:f>
+                        <m:fPr>
+                          <m:ctrlPr>
+                            <a:rPr lang="en-US" sz="3600" i="1">
+                              <a:latin typeface="Cambria Math" panose="02040503050406030204" pitchFamily="18" charset="0"/>
+                            </a:rPr>
+                          </m:ctrlPr>
+                        </m:fPr>
+                        <m:num>
+                          <m:sSup>
+                            <m:sSupPr>
+                              <m:ctrlPr>
+                                <a:rPr lang="en-US" sz="3600" i="1">
+                                  <a:latin typeface="Cambria Math" panose="02040503050406030204" pitchFamily="18" charset="0"/>
+                                </a:rPr>
+                              </m:ctrlPr>
+                            </m:sSupPr>
+                            <m:e>
+                              <m:r>
+                                <a:rPr lang="en-US" sz="3600" i="1">
+                                  <a:latin typeface="Cambria Math"/>
+                                </a:rPr>
+                                <m:t>𝑣</m:t>
+                              </m:r>
+                            </m:e>
+                            <m:sup>
+                              <m:r>
+                                <a:rPr lang="en-US" sz="3600" i="1">
+                                  <a:latin typeface="Cambria Math"/>
+                                </a:rPr>
+                                <m:t>2</m:t>
+                              </m:r>
+                            </m:sup>
+                          </m:sSup>
+                        </m:num>
+                        <m:den>
+                          <m:r>
+                            <a:rPr lang="en-US" sz="3600" i="1">
+                              <a:latin typeface="Cambria Math"/>
+                              <a:ea typeface="Cambria Math"/>
+                            </a:rPr>
+                            <m:t>𝜌</m:t>
+                          </m:r>
+                        </m:den>
+                      </m:f>
+                    </m:oMath>
+                  </m:oMathPara>
+                </a14:m>
+                <a:endParaRPr lang="en-US" sz="2400" dirty="0"/>
+              </a:p>
+            </p:txBody>
+          </p:sp>
+        </mc:Choice>
+        <mc:Fallback xmlns="">
+          <p:sp>
+            <p:nvSpPr>
+              <p:cNvPr id="6" name="Rectangle 5"/>
+              <p:cNvSpPr>
+                <a:spLocks noRot="1" noChangeAspect="1" noMove="1" noResize="1" noEditPoints="1" noAdjustHandles="1" noChangeArrowheads="1" noChangeShapeType="1" noTextEdit="1"/>
+              </p:cNvSpPr>
+              <p:nvPr/>
+            </p:nvSpPr>
+            <p:spPr>
+              <a:xfrm>
+                <a:off x="1371600" y="4495800"/>
+                <a:ext cx="3041474" cy="1297728"/>
+              </a:xfrm>
+              <a:prstGeom prst="rect">
+                <a:avLst/>
+              </a:prstGeom>
+              <a:blipFill>
+                <a:blip r:embed="rId3"/>
+                <a:stretch>
+                  <a:fillRect/>
+                </a:stretch>
+              </a:blipFill>
+            </p:spPr>
+            <p:txBody>
+              <a:bodyPr/>
+              <a:lstStyle/>
+              <a:p>
+                <a:r>
+                  <a:rPr lang="en-US">
+                    <a:noFill/>
+                  </a:rPr>
+                  <a:t> </a:t>
+                </a:r>
+              </a:p>
+            </p:txBody>
+          </p:sp>
+        </mc:Fallback>
+      </mc:AlternateContent>
+    </p:spTree>
+    <p:extLst>
+      <p:ext uri="{BB962C8B-B14F-4D97-AF65-F5344CB8AC3E}">
+        <p14:creationId xmlns:p14="http://schemas.microsoft.com/office/powerpoint/2010/main" val="938029418"/>
+      </p:ext>
+    </p:extLst>
+  </p:cSld>
+  <p:clrMapOvr>
+    <a:masterClrMapping/>
+  </p:clrMapOvr>
+  <p:timing>
+    <p:tnLst>
+      <p:par>
+        <p:cTn id="1" dur="indefinite" restart="never" nodeType="tmRoot">
+          <p:childTnLst>
+            <p:seq concurrent="1" nextAc="seek">
+              <p:cTn id="2" dur="indefinite" nodeType="mainSeq">
+                <p:childTnLst>
+                  <p:par>
+                    <p:cTn id="3" fill="hold">
+                      <p:stCondLst>
+                        <p:cond delay="indefinite"/>
+                      </p:stCondLst>
+                      <p:childTnLst>
+                        <p:par>
+                          <p:cTn id="4" fill="hold">
+                            <p:stCondLst>
+                              <p:cond delay="0"/>
+                            </p:stCondLst>
+                            <p:childTnLst>
+                              <p:par>
+                                <p:cTn id="5" presetID="1" presetClass="entr" presetSubtype="0" fill="hold" grpId="0" nodeType="clickEffect">
+                                  <p:stCondLst>
+                                    <p:cond delay="0"/>
+                                  </p:stCondLst>
+                                  <p:childTnLst>
+                                    <p:set>
+                                      <p:cBhvr>
+                                        <p:cTn id="6" dur="1" fill="hold">
+                                          <p:stCondLst>
+                                            <p:cond delay="0"/>
+                                          </p:stCondLst>
+                                        </p:cTn>
+                                        <p:tgtEl>
+                                          <p:spTgt spid="3">
+                                            <p:txEl>
+                                              <p:pRg st="0" end="0"/>
+                                            </p:txEl>
+                                          </p:spTgt>
+                                        </p:tgtEl>
+                                        <p:attrNameLst>
+                                          <p:attrName>style.visibility</p:attrName>
+                                        </p:attrNameLst>
+                                      </p:cBhvr>
+                                      <p:to>
+                                        <p:strVal val="visible"/>
+                                      </p:to>
+                                    </p:set>
+                                  </p:childTnLst>
+                                </p:cTn>
+                              </p:par>
+                            </p:childTnLst>
+                          </p:cTn>
+                        </p:par>
+                      </p:childTnLst>
+                    </p:cTn>
+                  </p:par>
+                  <p:par>
+                    <p:cTn id="7" fill="hold">
+                      <p:stCondLst>
+                        <p:cond delay="indefinite"/>
+                      </p:stCondLst>
+                      <p:childTnLst>
+                        <p:par>
+                          <p:cTn id="8" fill="hold">
+                            <p:stCondLst>
+                              <p:cond delay="0"/>
+                            </p:stCondLst>
+                            <p:childTnLst>
+                              <p:par>
+                                <p:cTn id="9" presetID="1" presetClass="entr" presetSubtype="0" fill="hold" grpId="0" nodeType="clickEffect">
+                                  <p:stCondLst>
+                                    <p:cond delay="0"/>
+                                  </p:stCondLst>
+                                  <p:childTnLst>
+                                    <p:set>
+                                      <p:cBhvr>
+                                        <p:cTn id="10" dur="1" fill="hold">
+                                          <p:stCondLst>
+                                            <p:cond delay="0"/>
+                                          </p:stCondLst>
+                                        </p:cTn>
+                                        <p:tgtEl>
+                                          <p:spTgt spid="3">
+                                            <p:txEl>
+                                              <p:pRg st="1" end="1"/>
+                                            </p:txEl>
+                                          </p:spTgt>
+                                        </p:tgtEl>
+                                        <p:attrNameLst>
+                                          <p:attrName>style.visibility</p:attrName>
+                                        </p:attrNameLst>
+                                      </p:cBhvr>
+                                      <p:to>
+                                        <p:strVal val="visible"/>
+                                      </p:to>
+                                    </p:set>
+                                  </p:childTnLst>
+                                </p:cTn>
+                              </p:par>
+                            </p:childTnLst>
+                          </p:cTn>
+                        </p:par>
+                      </p:childTnLst>
+                    </p:cTn>
+                  </p:par>
+                  <p:par>
+                    <p:cTn id="11" fill="hold">
+                      <p:stCondLst>
+                        <p:cond delay="indefinite"/>
+                      </p:stCondLst>
+                      <p:childTnLst>
+                        <p:par>
+                          <p:cTn id="12" fill="hold">
+                            <p:stCondLst>
+                              <p:cond delay="0"/>
+                            </p:stCondLst>
+                            <p:childTnLst>
+                              <p:par>
+                                <p:cTn id="13" presetID="10" presetClass="entr" presetSubtype="0" fill="hold" grpId="0" nodeType="clickEffect">
+                                  <p:stCondLst>
+                                    <p:cond delay="0"/>
+                                  </p:stCondLst>
+                                  <p:childTnLst>
+                                    <p:set>
+                                      <p:cBhvr>
+                                        <p:cTn id="14" dur="1" fill="hold">
+                                          <p:stCondLst>
+                                            <p:cond delay="0"/>
+                                          </p:stCondLst>
+                                        </p:cTn>
+                                        <p:tgtEl>
+                                          <p:spTgt spid="6"/>
+                                        </p:tgtEl>
+                                        <p:attrNameLst>
+                                          <p:attrName>style.visibility</p:attrName>
+                                        </p:attrNameLst>
+                                      </p:cBhvr>
+                                      <p:to>
+                                        <p:strVal val="visible"/>
+                                      </p:to>
+                                    </p:set>
+                                    <p:animEffect transition="in" filter="fade">
+                                      <p:cBhvr>
+                                        <p:cTn id="15" dur="500"/>
+                                        <p:tgtEl>
+                                          <p:spTgt spid="6"/>
+                                        </p:tgtEl>
+                                      </p:cBhvr>
+                                    </p:animEffect>
+                                  </p:childTnLst>
+                                </p:cTn>
+                              </p:par>
+                            </p:childTnLst>
+                          </p:cTn>
+                        </p:par>
+                      </p:childTnLst>
+                    </p:cTn>
+                  </p:par>
+                  <p:par>
+                    <p:cTn id="16" fill="hold">
+                      <p:stCondLst>
+                        <p:cond delay="indefinite"/>
+                      </p:stCondLst>
+                      <p:childTnLst>
+                        <p:par>
+                          <p:cTn id="17" fill="hold">
+                            <p:stCondLst>
+                              <p:cond delay="0"/>
+                            </p:stCondLst>
+                            <p:childTnLst>
+                              <p:par>
+                                <p:cTn id="18" presetID="10" presetClass="entr" presetSubtype="0" fill="hold" grpId="0" nodeType="clickEffect">
+                                  <p:stCondLst>
+                                    <p:cond delay="0"/>
+                                  </p:stCondLst>
+                                  <p:childTnLst>
+                                    <p:set>
+                                      <p:cBhvr>
+                                        <p:cTn id="19" dur="1" fill="hold">
+                                          <p:stCondLst>
+                                            <p:cond delay="0"/>
+                                          </p:stCondLst>
+                                        </p:cTn>
+                                        <p:tgtEl>
+                                          <p:spTgt spid="5"/>
+                                        </p:tgtEl>
+                                        <p:attrNameLst>
+                                          <p:attrName>style.visibility</p:attrName>
+                                        </p:attrNameLst>
+                                      </p:cBhvr>
+                                      <p:to>
+                                        <p:strVal val="visible"/>
+                                      </p:to>
+                                    </p:set>
+                                    <p:animEffect transition="in" filter="fade">
+                                      <p:cBhvr>
+                                        <p:cTn id="20" dur="500"/>
+                                        <p:tgtEl>
+                                          <p:spTgt spid="5"/>
+                                        </p:tgtEl>
+                                      </p:cBhvr>
+                                    </p:animEffect>
+                                  </p:childTnLst>
+                                </p:cTn>
+                              </p:par>
+                            </p:childTnLst>
+                          </p:cTn>
+                        </p:par>
+                      </p:childTnLst>
+                    </p:cTn>
+                  </p:par>
+                </p:childTnLst>
+              </p:cTn>
+              <p:prevCondLst>
+                <p:cond evt="onPrev" delay="0">
+                  <p:tgtEl>
+                    <p:sldTgt/>
+                  </p:tgtEl>
+                </p:cond>
+              </p:prevCondLst>
+              <p:nextCondLst>
+                <p:cond evt="onNext" delay="0">
+                  <p:tgtEl>
+                    <p:sldTgt/>
+                  </p:tgtEl>
+                </p:cond>
+              </p:nextCondLst>
+            </p:seq>
+          </p:childTnLst>
+        </p:cTn>
+      </p:par>
+    </p:tnLst>
+    <p:bldLst>
+      <p:bldP spid="3" grpId="0" build="p"/>
+      <p:bldP spid="5" grpId="0"/>
+      <p:bldP spid="6" grpId="0"/>
+    </p:bldLst>
+  </p:timing>
+</p:sld>
+</file>
+
+<file path=ppt/slides/slide6.xml><?xml version="1.0" encoding="utf-8"?>
+<p:sld xmlns:a="http://schemas.openxmlformats.org/drawingml/2006/main" xmlns:r="http://schemas.openxmlformats.org/officeDocument/2006/relationships" xmlns:p="http://schemas.openxmlformats.org/presentationml/2006/main">
+  <p:cSld>
+    <p:spTree>
+      <p:nvGrpSpPr>
+        <p:cNvPr id="1" name=""/>
+        <p:cNvGrpSpPr/>
+        <p:nvPr/>
+      </p:nvGrpSpPr>
+      <p:grpSpPr>
+        <a:xfrm>
+          <a:off x="0" y="0"/>
+          <a:ext cx="0" cy="0"/>
+          <a:chOff x="0" y="0"/>
+          <a:chExt cx="0" cy="0"/>
+        </a:xfrm>
+      </p:grpSpPr>
+      <p:sp>
+        <p:nvSpPr>
+          <p:cNvPr id="2" name="Title 1">
+            <a:extLst>
+              <a:ext uri="{FF2B5EF4-FFF2-40B4-BE49-F238E27FC236}">
+                <a16:creationId xmlns:a16="http://schemas.microsoft.com/office/drawing/2014/main" id="{61A07C29-9A58-4871-BDC5-A36C637901C2}"/>
+              </a:ext>
+            </a:extLst>
+          </p:cNvPr>
+          <p:cNvSpPr>
+            <a:spLocks noGrp="1"/>
+          </p:cNvSpPr>
+          <p:nvPr>
+            <p:ph type="title"/>
+          </p:nvPr>
+        </p:nvSpPr>
+        <p:spPr/>
+        <p:txBody>
+          <a:bodyPr>
+            <a:normAutofit fontScale="90000"/>
+          </a:bodyPr>
+          <a:lstStyle/>
+          <a:p>
+            <a:r>
+              <a:rPr lang="en-US" dirty="0"/>
+              <a:t>Solving a Kinetics Problem</a:t>
+            </a:r>
+            <a:br>
+              <a:rPr lang="en-US" dirty="0"/>
+            </a:br>
+            <a:r>
+              <a:rPr lang="en-US" dirty="0"/>
+              <a:t>(The Process)</a:t>
+            </a:r>
+          </a:p>
+        </p:txBody>
+      </p:sp>
+      <p:sp>
+        <p:nvSpPr>
+          <p:cNvPr id="3" name="Content Placeholder 2">
+            <a:extLst>
+              <a:ext uri="{FF2B5EF4-FFF2-40B4-BE49-F238E27FC236}">
+                <a16:creationId xmlns:a16="http://schemas.microsoft.com/office/drawing/2014/main" id="{A0280897-CDB5-4D78-9300-B055EC7031D9}"/>
+              </a:ext>
+            </a:extLst>
+          </p:cNvPr>
+          <p:cNvSpPr>
+            <a:spLocks noGrp="1"/>
+          </p:cNvSpPr>
+          <p:nvPr>
+            <p:ph idx="1"/>
+          </p:nvPr>
+        </p:nvSpPr>
+        <p:spPr>
+          <a:xfrm>
+            <a:off x="457200" y="1600200"/>
+            <a:ext cx="8229600" cy="4648200"/>
+          </a:xfrm>
+        </p:spPr>
+        <p:txBody>
+          <a:bodyPr>
+            <a:normAutofit fontScale="77500" lnSpcReduction="20000"/>
+          </a:bodyPr>
+          <a:lstStyle/>
+          <a:p>
+            <a:r>
+              <a:rPr lang="en-US" dirty="0"/>
+              <a:t>The process used in solving a kinetics problem is similar to solving a problem in statics and consists of three steps.</a:t>
+            </a:r>
+          </a:p>
+          <a:p>
+            <a:pPr marL="514350" indent="-514350">
+              <a:buFont typeface="+mj-lt"/>
+              <a:buAutoNum type="arabicPeriod"/>
+            </a:pPr>
+            <a:r>
+              <a:rPr lang="en-US" dirty="0"/>
+              <a:t>Set up a </a:t>
+            </a:r>
+            <a:r>
+              <a:rPr lang="en-US" b="1" dirty="0"/>
+              <a:t>free body diagram</a:t>
+            </a:r>
+            <a:r>
+              <a:rPr lang="en-US" dirty="0"/>
+              <a:t>.</a:t>
+            </a:r>
+          </a:p>
+          <a:p>
+            <a:pPr marL="914400" lvl="1" indent="-514350"/>
+            <a:r>
+              <a:rPr lang="en-US" dirty="0"/>
+              <a:t>Draw the body separated from its surroundings</a:t>
+            </a:r>
+          </a:p>
+          <a:p>
+            <a:pPr marL="914400" lvl="1" indent="-514350"/>
+            <a:r>
+              <a:rPr lang="en-US" dirty="0"/>
+              <a:t>Draw in all the known and unknown forces (</a:t>
+            </a:r>
+            <a:r>
+              <a:rPr lang="en-US" dirty="0">
+                <a:solidFill>
+                  <a:srgbClr val="FF0000"/>
+                </a:solidFill>
+              </a:rPr>
+              <a:t>I use red for forces</a:t>
+            </a:r>
+            <a:r>
+              <a:rPr lang="en-US" dirty="0"/>
+              <a:t>) as well as key dimensions and angles (</a:t>
+            </a:r>
+            <a:r>
+              <a:rPr lang="en-US" dirty="0">
+                <a:solidFill>
+                  <a:schemeClr val="accent1"/>
+                </a:solidFill>
+              </a:rPr>
+              <a:t>I use blue for dimensions and angles</a:t>
+            </a:r>
+            <a:r>
+              <a:rPr lang="en-US" dirty="0"/>
+              <a:t>)</a:t>
+            </a:r>
+          </a:p>
+          <a:p>
+            <a:pPr marL="914400" lvl="1" indent="-514350"/>
+            <a:r>
+              <a:rPr lang="en-US" dirty="0"/>
+              <a:t>Draw in the acceleration vector (</a:t>
+            </a:r>
+            <a:r>
+              <a:rPr lang="en-US" dirty="0">
+                <a:solidFill>
+                  <a:schemeClr val="accent1"/>
+                </a:solidFill>
+              </a:rPr>
+              <a:t>I use a blue dashed vector for this</a:t>
+            </a:r>
+            <a:r>
+              <a:rPr lang="en-US" dirty="0"/>
+              <a:t>)</a:t>
+            </a:r>
+          </a:p>
+          <a:p>
+            <a:pPr marL="514350" indent="-514350">
+              <a:buFont typeface="+mj-lt"/>
+              <a:buAutoNum type="arabicPeriod"/>
+            </a:pPr>
+            <a:r>
+              <a:rPr lang="en-US" dirty="0"/>
+              <a:t>Use the free body diagram to write out your </a:t>
+            </a:r>
+            <a:r>
+              <a:rPr lang="en-US" b="1" dirty="0"/>
+              <a:t>equations of motion</a:t>
+            </a:r>
+            <a:r>
+              <a:rPr lang="en-US" dirty="0"/>
+              <a:t>, breaking all forces and accelerations down into n and t components</a:t>
+            </a:r>
+          </a:p>
+          <a:p>
+            <a:pPr marL="914400" lvl="1" indent="-514350"/>
+            <a:r>
+              <a:rPr lang="en-US" dirty="0"/>
+              <a:t>These may be supplemented with kinematics equations.</a:t>
+            </a:r>
+          </a:p>
+          <a:p>
+            <a:pPr marL="514350" indent="-514350">
+              <a:buFont typeface="+mj-lt"/>
+              <a:buAutoNum type="arabicPeriod"/>
+            </a:pPr>
+            <a:r>
+              <a:rPr lang="en-US" dirty="0"/>
+              <a:t>Solve the equations for any unknowns.</a:t>
+            </a:r>
+          </a:p>
+          <a:p>
+            <a:pPr marL="514350" indent="-514350">
+              <a:buFont typeface="+mj-lt"/>
+              <a:buAutoNum type="arabicPeriod"/>
+            </a:pPr>
+            <a:endParaRPr lang="en-US" dirty="0"/>
+          </a:p>
+        </p:txBody>
+      </p:sp>
+    </p:spTree>
+    <p:extLst>
+      <p:ext uri="{BB962C8B-B14F-4D97-AF65-F5344CB8AC3E}">
+        <p14:creationId xmlns:p14="http://schemas.microsoft.com/office/powerpoint/2010/main" val="2175471731"/>
+      </p:ext>
+    </p:extLst>
+  </p:cSld>
+  <p:clrMapOvr>
+    <a:masterClrMapping/>
+  </p:clrMapOvr>
+  <p:timing>
+    <p:tnLst>
+      <p:par>
+        <p:cTn id="1" dur="indefinite" restart="never" nodeType="tmRoot">
+          <p:childTnLst>
+            <p:seq concurrent="1" nextAc="seek">
+              <p:cTn id="2" dur="indefinite" nodeType="mainSeq">
+                <p:childTnLst>
+                  <p:par>
+                    <p:cTn id="3" fill="hold">
+                      <p:stCondLst>
+                        <p:cond delay="indefinite"/>
+                      </p:stCondLst>
+                      <p:childTnLst>
+                        <p:par>
+                          <p:cTn id="4" fill="hold">
+                            <p:stCondLst>
+                              <p:cond delay="0"/>
+                            </p:stCondLst>
+                            <p:childTnLst>
+                              <p:par>
+                                <p:cTn id="5" presetID="1" presetClass="entr" presetSubtype="0" fill="hold" grpId="0" nodeType="clickEffect">
+                                  <p:stCondLst>
+                                    <p:cond delay="0"/>
+                                  </p:stCondLst>
+                                  <p:childTnLst>
+                                    <p:set>
+                                      <p:cBhvr>
+                                        <p:cTn id="6" dur="1" fill="hold">
+                                          <p:stCondLst>
+                                            <p:cond delay="0"/>
+                                          </p:stCondLst>
+                                        </p:cTn>
+                                        <p:tgtEl>
+                                          <p:spTgt spid="3">
+                                            <p:txEl>
+                                              <p:pRg st="0" end="0"/>
+                                            </p:txEl>
+                                          </p:spTgt>
+                                        </p:tgtEl>
+                                        <p:attrNameLst>
+                                          <p:attrName>style.visibility</p:attrName>
+                                        </p:attrNameLst>
+                                      </p:cBhvr>
+                                      <p:to>
+                                        <p:strVal val="visible"/>
+                                      </p:to>
+                                    </p:set>
+                                  </p:childTnLst>
+                                </p:cTn>
+                              </p:par>
+                            </p:childTnLst>
+                          </p:cTn>
+                        </p:par>
+                      </p:childTnLst>
+                    </p:cTn>
+                  </p:par>
+                  <p:par>
+                    <p:cTn id="7" fill="hold">
+                      <p:stCondLst>
+                        <p:cond delay="indefinite"/>
+                      </p:stCondLst>
+                      <p:childTnLst>
+                        <p:par>
+                          <p:cTn id="8" fill="hold">
+                            <p:stCondLst>
+                              <p:cond delay="0"/>
+                            </p:stCondLst>
+                            <p:childTnLst>
+                              <p:par>
+                                <p:cTn id="9" presetID="1" presetClass="entr" presetSubtype="0" fill="hold" grpId="0" nodeType="clickEffect">
+                                  <p:stCondLst>
+                                    <p:cond delay="0"/>
+                                  </p:stCondLst>
+                                  <p:childTnLst>
+                                    <p:set>
+                                      <p:cBhvr>
+                                        <p:cTn id="10" dur="1" fill="hold">
+                                          <p:stCondLst>
+                                            <p:cond delay="0"/>
+                                          </p:stCondLst>
+                                        </p:cTn>
+                                        <p:tgtEl>
+                                          <p:spTgt spid="3">
+                                            <p:txEl>
+                                              <p:pRg st="1" end="1"/>
+                                            </p:txEl>
+                                          </p:spTgt>
+                                        </p:tgtEl>
+                                        <p:attrNameLst>
+                                          <p:attrName>style.visibility</p:attrName>
+                                        </p:attrNameLst>
+                                      </p:cBhvr>
+                                      <p:to>
+                                        <p:strVal val="visible"/>
+                                      </p:to>
+                                    </p:set>
+                                  </p:childTnLst>
+                                </p:cTn>
+                              </p:par>
+                              <p:par>
+                                <p:cTn id="11" presetID="1" presetClass="entr" presetSubtype="0" fill="hold" grpId="0" nodeType="withEffect">
+                                  <p:stCondLst>
+                                    <p:cond delay="0"/>
+                                  </p:stCondLst>
+                                  <p:childTnLst>
+                                    <p:set>
+                                      <p:cBhvr>
+                                        <p:cTn id="12" dur="1" fill="hold">
+                                          <p:stCondLst>
+                                            <p:cond delay="0"/>
+                                          </p:stCondLst>
+                                        </p:cTn>
+                                        <p:tgtEl>
+                                          <p:spTgt spid="3">
+                                            <p:txEl>
+                                              <p:pRg st="2" end="2"/>
+                                            </p:txEl>
+                                          </p:spTgt>
+                                        </p:tgtEl>
+                                        <p:attrNameLst>
+                                          <p:attrName>style.visibility</p:attrName>
+                                        </p:attrNameLst>
+                                      </p:cBhvr>
+                                      <p:to>
+                                        <p:strVal val="visible"/>
+                                      </p:to>
+                                    </p:set>
+                                  </p:childTnLst>
+                                </p:cTn>
+                              </p:par>
+                              <p:par>
+                                <p:cTn id="13" presetID="1" presetClass="entr" presetSubtype="0" fill="hold" grpId="0" nodeType="withEffect">
+                                  <p:stCondLst>
+                                    <p:cond delay="0"/>
+                                  </p:stCondLst>
+                                  <p:childTnLst>
+                                    <p:set>
+                                      <p:cBhvr>
+                                        <p:cTn id="14" dur="1" fill="hold">
+                                          <p:stCondLst>
+                                            <p:cond delay="0"/>
+                                          </p:stCondLst>
+                                        </p:cTn>
+                                        <p:tgtEl>
+                                          <p:spTgt spid="3">
+                                            <p:txEl>
+                                              <p:pRg st="3" end="3"/>
+                                            </p:txEl>
+                                          </p:spTgt>
+                                        </p:tgtEl>
+                                        <p:attrNameLst>
+                                          <p:attrName>style.visibility</p:attrName>
+                                        </p:attrNameLst>
+                                      </p:cBhvr>
+                                      <p:to>
+                                        <p:strVal val="visible"/>
+                                      </p:to>
+                                    </p:set>
+                                  </p:childTnLst>
+                                </p:cTn>
+                              </p:par>
+                              <p:par>
+                                <p:cTn id="15" presetID="1" presetClass="entr" presetSubtype="0" fill="hold" grpId="0" nodeType="withEffect">
+                                  <p:stCondLst>
+                                    <p:cond delay="0"/>
+                                  </p:stCondLst>
+                                  <p:childTnLst>
+                                    <p:set>
+                                      <p:cBhvr>
+                                        <p:cTn id="16" dur="1" fill="hold">
+                                          <p:stCondLst>
+                                            <p:cond delay="0"/>
+                                          </p:stCondLst>
+                                        </p:cTn>
+                                        <p:tgtEl>
+                                          <p:spTgt spid="3">
+                                            <p:txEl>
+                                              <p:pRg st="4" end="4"/>
+                                            </p:txEl>
+                                          </p:spTgt>
+                                        </p:tgtEl>
+                                        <p:attrNameLst>
+                                          <p:attrName>style.visibility</p:attrName>
+                                        </p:attrNameLst>
+                                      </p:cBhvr>
+                                      <p:to>
+                                        <p:strVal val="visible"/>
+                                      </p:to>
+                                    </p:set>
+                                  </p:childTnLst>
+                                </p:cTn>
+                              </p:par>
+                            </p:childTnLst>
+                          </p:cTn>
+                        </p:par>
+                      </p:childTnLst>
+                    </p:cTn>
+                  </p:par>
+                  <p:par>
+                    <p:cTn id="17" fill="hold">
+                      <p:stCondLst>
+                        <p:cond delay="indefinite"/>
+                      </p:stCondLst>
+                      <p:childTnLst>
+                        <p:par>
+                          <p:cTn id="18" fill="hold">
+                            <p:stCondLst>
+                              <p:cond delay="0"/>
+                            </p:stCondLst>
+                            <p:childTnLst>
+                              <p:par>
+                                <p:cTn id="19" presetID="1" presetClass="entr" presetSubtype="0" fill="hold" grpId="0" nodeType="clickEffect">
+                                  <p:stCondLst>
+                                    <p:cond delay="0"/>
+                                  </p:stCondLst>
+                                  <p:childTnLst>
+                                    <p:set>
+                                      <p:cBhvr>
+                                        <p:cTn id="20" dur="1" fill="hold">
+                                          <p:stCondLst>
+                                            <p:cond delay="0"/>
+                                          </p:stCondLst>
+                                        </p:cTn>
+                                        <p:tgtEl>
+                                          <p:spTgt spid="3">
+                                            <p:txEl>
+                                              <p:pRg st="5" end="5"/>
+                                            </p:txEl>
+                                          </p:spTgt>
+                                        </p:tgtEl>
+                                        <p:attrNameLst>
+                                          <p:attrName>style.visibility</p:attrName>
+                                        </p:attrNameLst>
+                                      </p:cBhvr>
+                                      <p:to>
+                                        <p:strVal val="visible"/>
+                                      </p:to>
+                                    </p:set>
+                                  </p:childTnLst>
+                                </p:cTn>
+                              </p:par>
+                              <p:par>
+                                <p:cTn id="21" presetID="1" presetClass="entr" presetSubtype="0" fill="hold" grpId="0" nodeType="withEffect">
+                                  <p:stCondLst>
+                                    <p:cond delay="0"/>
+                                  </p:stCondLst>
+                                  <p:childTnLst>
+                                    <p:set>
+                                      <p:cBhvr>
+                                        <p:cTn id="22" dur="1" fill="hold">
+                                          <p:stCondLst>
+                                            <p:cond delay="0"/>
+                                          </p:stCondLst>
+                                        </p:cTn>
+                                        <p:tgtEl>
+                                          <p:spTgt spid="3">
+                                            <p:txEl>
+                                              <p:pRg st="6" end="6"/>
+                                            </p:txEl>
+                                          </p:spTgt>
+                                        </p:tgtEl>
+                                        <p:attrNameLst>
+                                          <p:attrName>style.visibility</p:attrName>
+                                        </p:attrNameLst>
+                                      </p:cBhvr>
+                                      <p:to>
+                                        <p:strVal val="visible"/>
+                                      </p:to>
+                                    </p:set>
+                                  </p:childTnLst>
+                                </p:cTn>
+                              </p:par>
+                            </p:childTnLst>
+                          </p:cTn>
+                        </p:par>
+                      </p:childTnLst>
+                    </p:cTn>
+                  </p:par>
+                  <p:par>
+                    <p:cTn id="23" fill="hold">
+                      <p:stCondLst>
+                        <p:cond delay="indefinite"/>
+                      </p:stCondLst>
+                      <p:childTnLst>
+                        <p:par>
+                          <p:cTn id="24" fill="hold">
+                            <p:stCondLst>
+                              <p:cond delay="0"/>
+                            </p:stCondLst>
+                            <p:childTnLst>
+                              <p:par>
+                                <p:cTn id="25" presetID="1" presetClass="entr" presetSubtype="0" fill="hold" grpId="0" nodeType="clickEffect">
+                                  <p:stCondLst>
+                                    <p:cond delay="0"/>
+                                  </p:stCondLst>
+                                  <p:childTnLst>
+                                    <p:set>
+                                      <p:cBhvr>
+                                        <p:cTn id="26" dur="1" fill="hold">
+                                          <p:stCondLst>
+                                            <p:cond delay="0"/>
+                                          </p:stCondLst>
+                                        </p:cTn>
+                                        <p:tgtEl>
+                                          <p:spTgt spid="3">
+                                            <p:txEl>
+                                              <p:pRg st="7" end="7"/>
+                                            </p:txEl>
+                                          </p:spTgt>
+                                        </p:tgtEl>
+                                        <p:attrNameLst>
+                                          <p:attrName>style.visibility</p:attrName>
+                                        </p:attrNameLst>
+                                      </p:cBhvr>
+                                      <p:to>
+                                        <p:strVal val="visible"/>
+                                      </p:to>
+                                    </p:set>
+                                  </p:childTnLst>
+                                </p:cTn>
+                              </p:par>
+                            </p:childTnLst>
+                          </p:cTn>
+                        </p:par>
+                      </p:childTnLst>
+                    </p:cTn>
+                  </p:par>
+                </p:childTnLst>
+              </p:cTn>
+              <p:prevCondLst>
+                <p:cond evt="onPrev" delay="0">
+                  <p:tgtEl>
+                    <p:sldTgt/>
+                  </p:tgtEl>
+                </p:cond>
+              </p:prevCondLst>
+              <p:nextCondLst>
+                <p:cond evt="onNext" delay="0">
+                  <p:tgtEl>
+                    <p:sldTgt/>
+                  </p:tgtEl>
+                </p:cond>
+              </p:nextCondLst>
+            </p:seq>
+          </p:childTnLst>
+        </p:cTn>
+      </p:par>
+    </p:tnLst>
+    <p:bldLst>
+      <p:bldP spid="3" grpId="0" build="p"/>
+    </p:bldLst>
+  </p:timing>
+</p:sld>
+</file>
+
+<file path=ppt/slides/slide7.xml><?xml version="1.0" encoding="utf-8"?>
+<p:sld xmlns:a="http://schemas.openxmlformats.org/drawingml/2006/main" xmlns:r="http://schemas.openxmlformats.org/officeDocument/2006/relationships" xmlns:p="http://schemas.openxmlformats.org/presentationml/2006/main">
+  <p:cSld>
+    <p:spTree>
+      <p:nvGrpSpPr>
+        <p:cNvPr id="1" name=""/>
+        <p:cNvGrpSpPr/>
+        <p:nvPr/>
+      </p:nvGrpSpPr>
+      <p:grpSpPr>
+        <a:xfrm>
+          <a:off x="0" y="0"/>
+          <a:ext cx="0" cy="0"/>
+          <a:chOff x="0" y="0"/>
+          <a:chExt cx="0" cy="0"/>
+        </a:xfrm>
+      </p:grpSpPr>
+      <p:sp>
+        <p:nvSpPr>
+          <p:cNvPr id="2" name="Title 1"/>
+          <p:cNvSpPr>
+            <a:spLocks noGrp="1"/>
+          </p:cNvSpPr>
+          <p:nvPr>
             <p:ph type="ctrTitle"/>
           </p:nvPr>
         </p:nvSpPr>
@@ -4281,6 +7992,811 @@
     <p:extLst>
       <p:ext uri="{BB962C8B-B14F-4D97-AF65-F5344CB8AC3E}">
         <p14:creationId xmlns:p14="http://schemas.microsoft.com/office/powerpoint/2010/main" val="3129637585"/>
+      </p:ext>
+    </p:extLst>
+  </p:cSld>
+  <p:clrMapOvr>
+    <a:masterClrMapping/>
+  </p:clrMapOvr>
+</p:sld>
+</file>
+
+<file path=ppt/slides/slide8.xml><?xml version="1.0" encoding="utf-8"?>
+<p:sld xmlns:a="http://schemas.openxmlformats.org/drawingml/2006/main" xmlns:r="http://schemas.openxmlformats.org/officeDocument/2006/relationships" xmlns:p="http://schemas.openxmlformats.org/presentationml/2006/main">
+  <p:cSld>
+    <p:spTree>
+      <p:nvGrpSpPr>
+        <p:cNvPr id="1" name=""/>
+        <p:cNvGrpSpPr/>
+        <p:nvPr/>
+      </p:nvGrpSpPr>
+      <p:grpSpPr>
+        <a:xfrm>
+          <a:off x="0" y="0"/>
+          <a:ext cx="0" cy="0"/>
+          <a:chOff x="0" y="0"/>
+          <a:chExt cx="0" cy="0"/>
+        </a:xfrm>
+      </p:grpSpPr>
+      <p:sp>
+        <p:nvSpPr>
+          <p:cNvPr id="2" name="Title 1"/>
+          <p:cNvSpPr>
+            <a:spLocks noGrp="1"/>
+          </p:cNvSpPr>
+          <p:nvPr>
+            <p:ph type="title"/>
+          </p:nvPr>
+        </p:nvSpPr>
+        <p:spPr/>
+        <p:txBody>
+          <a:bodyPr>
+            <a:normAutofit fontScale="90000"/>
+          </a:bodyPr>
+          <a:lstStyle/>
+          <a:p>
+            <a:r>
+              <a:rPr lang="en-US" dirty="0"/>
+              <a:t>Kinetics with Normal Tangential Coordinates Worked Example</a:t>
+            </a:r>
+          </a:p>
+        </p:txBody>
+      </p:sp>
+      <p:sp>
+        <p:nvSpPr>
+          <p:cNvPr id="3" name="Content Placeholder 2"/>
+          <p:cNvSpPr>
+            <a:spLocks noGrp="1"/>
+          </p:cNvSpPr>
+          <p:nvPr>
+            <p:ph idx="1"/>
+          </p:nvPr>
+        </p:nvSpPr>
+        <p:spPr/>
+        <p:txBody>
+          <a:bodyPr/>
+          <a:lstStyle/>
+          <a:p>
+            <a:r>
+              <a:rPr lang="en-US" dirty="0"/>
+              <a:t>A 1000kg car travels over a hill constant speed of 100 km/hr.  The top of the hill can be approximated as a circle with a 90 m radius.</a:t>
+            </a:r>
+          </a:p>
+          <a:p>
+            <a:pPr lvl="1"/>
+            <a:r>
+              <a:rPr lang="en-US" dirty="0"/>
+              <a:t>What is the normal force the road exerts on the car?</a:t>
+            </a:r>
+          </a:p>
+          <a:p>
+            <a:pPr lvl="1"/>
+            <a:r>
+              <a:rPr lang="en-US" dirty="0"/>
+              <a:t>How fast would the car have to be going to get airborne?</a:t>
+            </a:r>
+          </a:p>
+          <a:p>
+            <a:pPr lvl="1"/>
+            <a:endParaRPr lang="en-US" dirty="0"/>
+          </a:p>
+        </p:txBody>
+      </p:sp>
+      <p:sp>
+        <p:nvSpPr>
+          <p:cNvPr id="4" name="Slide Number Placeholder 3"/>
+          <p:cNvSpPr>
+            <a:spLocks noGrp="1"/>
+          </p:cNvSpPr>
+          <p:nvPr>
+            <p:ph type="sldNum" sz="quarter" idx="12"/>
+          </p:nvPr>
+        </p:nvSpPr>
+        <p:spPr/>
+        <p:txBody>
+          <a:bodyPr/>
+          <a:lstStyle/>
+          <a:p>
+            <a:fld id="{929262FE-7F58-4A1E-8AF3-5A510A86DEBD}" type="slidenum">
+              <a:rPr lang="en-US" smtClean="0"/>
+              <a:t>8</a:t>
+            </a:fld>
+            <a:endParaRPr lang="en-US"/>
+          </a:p>
+        </p:txBody>
+      </p:sp>
+      <p:sp>
+        <p:nvSpPr>
+          <p:cNvPr id="5" name="Arc 4"/>
+          <p:cNvSpPr/>
+          <p:nvPr/>
+        </p:nvSpPr>
+        <p:spPr>
+          <a:xfrm>
+            <a:off x="152400" y="5791200"/>
+            <a:ext cx="9144000" cy="9144000"/>
+          </a:xfrm>
+          <a:prstGeom prst="arc">
+            <a:avLst>
+              <a:gd name="adj1" fmla="val 13810459"/>
+              <a:gd name="adj2" fmla="val 18577121"/>
+            </a:avLst>
+          </a:prstGeom>
+          <a:solidFill>
+            <a:schemeClr val="bg1">
+              <a:lumMod val="85000"/>
+            </a:schemeClr>
+          </a:solidFill>
+          <a:ln>
+            <a:solidFill>
+              <a:schemeClr val="tx1"/>
+            </a:solidFill>
+          </a:ln>
+        </p:spPr>
+        <p:style>
+          <a:lnRef idx="1">
+            <a:schemeClr val="accent1"/>
+          </a:lnRef>
+          <a:fillRef idx="0">
+            <a:schemeClr val="accent1"/>
+          </a:fillRef>
+          <a:effectRef idx="0">
+            <a:schemeClr val="accent1"/>
+          </a:effectRef>
+          <a:fontRef idx="minor">
+            <a:schemeClr val="tx1"/>
+          </a:fontRef>
+        </p:style>
+        <p:txBody>
+          <a:bodyPr rtlCol="0" anchor="ctr"/>
+          <a:lstStyle/>
+          <a:p>
+            <a:pPr algn="ctr"/>
+            <a:endParaRPr lang="en-US" dirty="0">
+              <a:solidFill>
+                <a:schemeClr val="bg1"/>
+              </a:solidFill>
+            </a:endParaRPr>
+          </a:p>
+        </p:txBody>
+      </p:sp>
+      <p:cxnSp>
+        <p:nvCxnSpPr>
+          <p:cNvPr id="7" name="Straight Arrow Connector 6"/>
+          <p:cNvCxnSpPr/>
+          <p:nvPr/>
+        </p:nvCxnSpPr>
+        <p:spPr>
+          <a:xfrm flipV="1">
+            <a:off x="4800600" y="5900058"/>
+            <a:ext cx="762000" cy="4082142"/>
+          </a:xfrm>
+          <a:prstGeom prst="straightConnector1">
+            <a:avLst/>
+          </a:prstGeom>
+          <a:ln>
+            <a:tailEnd type="arrow"/>
+          </a:ln>
+        </p:spPr>
+        <p:style>
+          <a:lnRef idx="1">
+            <a:schemeClr val="accent1"/>
+          </a:lnRef>
+          <a:fillRef idx="0">
+            <a:schemeClr val="accent1"/>
+          </a:fillRef>
+          <a:effectRef idx="0">
+            <a:schemeClr val="accent1"/>
+          </a:effectRef>
+          <a:fontRef idx="minor">
+            <a:schemeClr val="tx1"/>
+          </a:fontRef>
+        </p:style>
+      </p:cxnSp>
+      <p:sp>
+        <p:nvSpPr>
+          <p:cNvPr id="9" name="TextBox 8"/>
+          <p:cNvSpPr txBox="1"/>
+          <p:nvPr/>
+        </p:nvSpPr>
+        <p:spPr>
+          <a:xfrm>
+            <a:off x="5486400" y="6096000"/>
+            <a:ext cx="904415" cy="369332"/>
+          </a:xfrm>
+          <a:prstGeom prst="rect">
+            <a:avLst/>
+          </a:prstGeom>
+          <a:noFill/>
+        </p:spPr>
+        <p:txBody>
+          <a:bodyPr wrap="none" rtlCol="0">
+            <a:spAutoFit/>
+          </a:bodyPr>
+          <a:lstStyle/>
+          <a:p>
+            <a:r>
+              <a:rPr lang="en-US" dirty="0">
+                <a:solidFill>
+                  <a:schemeClr val="accent1"/>
+                </a:solidFill>
+              </a:rPr>
+              <a:t>r = 90m</a:t>
+            </a:r>
+          </a:p>
+        </p:txBody>
+      </p:sp>
+      <p:cxnSp>
+        <p:nvCxnSpPr>
+          <p:cNvPr id="11" name="Straight Arrow Connector 10"/>
+          <p:cNvCxnSpPr/>
+          <p:nvPr/>
+        </p:nvCxnSpPr>
+        <p:spPr>
+          <a:xfrm>
+            <a:off x="5181600" y="5709672"/>
+            <a:ext cx="1371600" cy="0"/>
+          </a:xfrm>
+          <a:prstGeom prst="straightConnector1">
+            <a:avLst/>
+          </a:prstGeom>
+          <a:ln>
+            <a:tailEnd type="arrow"/>
+          </a:ln>
+        </p:spPr>
+        <p:style>
+          <a:lnRef idx="1">
+            <a:schemeClr val="accent1"/>
+          </a:lnRef>
+          <a:fillRef idx="0">
+            <a:schemeClr val="accent1"/>
+          </a:fillRef>
+          <a:effectRef idx="0">
+            <a:schemeClr val="accent1"/>
+          </a:effectRef>
+          <a:fontRef idx="minor">
+            <a:schemeClr val="tx1"/>
+          </a:fontRef>
+        </p:style>
+      </p:cxnSp>
+      <p:sp>
+        <p:nvSpPr>
+          <p:cNvPr id="15" name="TextBox 14"/>
+          <p:cNvSpPr txBox="1"/>
+          <p:nvPr/>
+        </p:nvSpPr>
+        <p:spPr>
+          <a:xfrm>
+            <a:off x="5715000" y="5222161"/>
+            <a:ext cx="1494320" cy="369332"/>
+          </a:xfrm>
+          <a:prstGeom prst="rect">
+            <a:avLst/>
+          </a:prstGeom>
+          <a:noFill/>
+        </p:spPr>
+        <p:txBody>
+          <a:bodyPr wrap="none" rtlCol="0">
+            <a:spAutoFit/>
+          </a:bodyPr>
+          <a:lstStyle/>
+          <a:p>
+            <a:r>
+              <a:rPr lang="en-US" dirty="0">
+                <a:solidFill>
+                  <a:schemeClr val="accent1"/>
+                </a:solidFill>
+              </a:rPr>
+              <a:t>v = 100 km/hr</a:t>
+            </a:r>
+          </a:p>
+        </p:txBody>
+      </p:sp>
+      <p:pic>
+        <p:nvPicPr>
+          <p:cNvPr id="12" name="Picture 2" descr="Car Side View by GDJ">
+            <a:extLst>
+              <a:ext uri="{FF2B5EF4-FFF2-40B4-BE49-F238E27FC236}">
+                <a16:creationId xmlns:a16="http://schemas.microsoft.com/office/drawing/2014/main" id="{A6A7309D-6524-485B-B2E8-052F20096A25}"/>
+              </a:ext>
+            </a:extLst>
+          </p:cNvPr>
+          <p:cNvPicPr>
+            <a:picLocks noChangeAspect="1" noChangeArrowheads="1"/>
+          </p:cNvPicPr>
+          <p:nvPr/>
+        </p:nvPicPr>
+        <p:blipFill>
+          <a:blip r:embed="rId2" cstate="print">
+            <a:extLst>
+              <a:ext uri="{28A0092B-C50C-407E-A947-70E740481C1C}">
+                <a14:useLocalDpi xmlns:a14="http://schemas.microsoft.com/office/drawing/2010/main" val="0"/>
+              </a:ext>
+            </a:extLst>
+          </a:blip>
+          <a:srcRect/>
+          <a:stretch>
+            <a:fillRect/>
+          </a:stretch>
+        </p:blipFill>
+        <p:spPr bwMode="auto">
+          <a:xfrm flipH="1">
+            <a:off x="4251655" y="5422578"/>
+            <a:ext cx="975665" cy="389418"/>
+          </a:xfrm>
+          <a:prstGeom prst="rect">
+            <a:avLst/>
+          </a:prstGeom>
+          <a:noFill/>
+          <a:extLst>
+            <a:ext uri="{909E8E84-426E-40DD-AFC4-6F175D3DCCD1}">
+              <a14:hiddenFill xmlns:a14="http://schemas.microsoft.com/office/drawing/2010/main">
+                <a:solidFill>
+                  <a:srgbClr val="FFFFFF"/>
+                </a:solidFill>
+              </a14:hiddenFill>
+            </a:ext>
+          </a:extLst>
+        </p:spPr>
+      </p:pic>
+    </p:spTree>
+    <p:extLst>
+      <p:ext uri="{BB962C8B-B14F-4D97-AF65-F5344CB8AC3E}">
+        <p14:creationId xmlns:p14="http://schemas.microsoft.com/office/powerpoint/2010/main" val="3762582635"/>
+      </p:ext>
+    </p:extLst>
+  </p:cSld>
+  <p:clrMapOvr>
+    <a:masterClrMapping/>
+  </p:clrMapOvr>
+</p:sld>
+</file>
+
+<file path=ppt/slides/slide9.xml><?xml version="1.0" encoding="utf-8"?>
+<p:sld xmlns:a="http://schemas.openxmlformats.org/drawingml/2006/main" xmlns:r="http://schemas.openxmlformats.org/officeDocument/2006/relationships" xmlns:p="http://schemas.openxmlformats.org/presentationml/2006/main">
+  <p:cSld>
+    <p:spTree>
+      <p:nvGrpSpPr>
+        <p:cNvPr id="1" name=""/>
+        <p:cNvGrpSpPr/>
+        <p:nvPr/>
+      </p:nvGrpSpPr>
+      <p:grpSpPr>
+        <a:xfrm>
+          <a:off x="0" y="0"/>
+          <a:ext cx="0" cy="0"/>
+          <a:chOff x="0" y="0"/>
+          <a:chExt cx="0" cy="0"/>
+        </a:xfrm>
+      </p:grpSpPr>
+      <p:sp>
+        <p:nvSpPr>
+          <p:cNvPr id="2" name="Title 1"/>
+          <p:cNvSpPr>
+            <a:spLocks noGrp="1"/>
+          </p:cNvSpPr>
+          <p:nvPr>
+            <p:ph type="title"/>
+          </p:nvPr>
+        </p:nvSpPr>
+        <p:spPr/>
+        <p:txBody>
+          <a:bodyPr>
+            <a:normAutofit fontScale="90000"/>
+          </a:bodyPr>
+          <a:lstStyle/>
+          <a:p>
+            <a:r>
+              <a:rPr lang="en-US" dirty="0"/>
+              <a:t>Kinetics with Normal Tangential Coordinates Worked Example</a:t>
+            </a:r>
+          </a:p>
+        </p:txBody>
+      </p:sp>
+      <mc:AlternateContent xmlns:mc="http://schemas.openxmlformats.org/markup-compatibility/2006" xmlns:a14="http://schemas.microsoft.com/office/drawing/2010/main">
+        <mc:Choice Requires="a14">
+          <p:sp>
+            <p:nvSpPr>
+              <p:cNvPr id="3" name="Content Placeholder 2"/>
+              <p:cNvSpPr>
+                <a:spLocks noGrp="1"/>
+              </p:cNvSpPr>
+              <p:nvPr>
+                <p:ph idx="1"/>
+              </p:nvPr>
+            </p:nvSpPr>
+            <p:spPr>
+              <a:xfrm>
+                <a:off x="457200" y="1600201"/>
+                <a:ext cx="8229600" cy="1066799"/>
+              </a:xfrm>
+            </p:spPr>
+            <p:txBody>
+              <a:bodyPr>
+                <a:normAutofit/>
+              </a:bodyPr>
+              <a:lstStyle/>
+              <a:p>
+                <a:r>
+                  <a:rPr lang="en-US" sz="2800" dirty="0"/>
+                  <a:t>A 2500 lb car is traveling 40 ft/s. The car’s tires have a coefficient of friction with the road of </a:t>
+                </a:r>
+                <a14:m>
+                  <m:oMath xmlns:m="http://schemas.openxmlformats.org/officeDocument/2006/math">
+                    <m:sSub>
+                      <m:sSubPr>
+                        <m:ctrlPr>
+                          <a:rPr lang="en-US" sz="2800" i="1" smtClean="0">
+                            <a:latin typeface="Cambria Math" panose="02040503050406030204" pitchFamily="18" charset="0"/>
+                          </a:rPr>
+                        </m:ctrlPr>
+                      </m:sSubPr>
+                      <m:e>
+                        <m:r>
+                          <a:rPr lang="en-US" sz="2800" i="1" smtClean="0">
+                            <a:latin typeface="Cambria Math" panose="02040503050406030204" pitchFamily="18" charset="0"/>
+                            <a:ea typeface="Cambria Math" panose="02040503050406030204" pitchFamily="18" charset="0"/>
+                          </a:rPr>
+                          <m:t>𝜇</m:t>
+                        </m:r>
+                      </m:e>
+                      <m:sub>
+                        <m:r>
+                          <a:rPr lang="en-US" sz="2800" b="0" i="1" smtClean="0">
+                            <a:latin typeface="Cambria Math" panose="02040503050406030204" pitchFamily="18" charset="0"/>
+                          </a:rPr>
+                          <m:t>𝑠</m:t>
+                        </m:r>
+                      </m:sub>
+                    </m:sSub>
+                    <m:r>
+                      <a:rPr lang="en-US" sz="2800" b="0" i="1" smtClean="0">
+                        <a:latin typeface="Cambria Math" panose="02040503050406030204" pitchFamily="18" charset="0"/>
+                      </a:rPr>
+                      <m:t>=.9</m:t>
+                    </m:r>
+                  </m:oMath>
+                </a14:m>
+                <a:endParaRPr lang="en-US" sz="2800" dirty="0"/>
+              </a:p>
+            </p:txBody>
+          </p:sp>
+        </mc:Choice>
+        <mc:Fallback xmlns="">
+          <p:sp>
+            <p:nvSpPr>
+              <p:cNvPr id="3" name="Content Placeholder 2"/>
+              <p:cNvSpPr>
+                <a:spLocks noGrp="1" noRot="1" noChangeAspect="1" noMove="1" noResize="1" noEditPoints="1" noAdjustHandles="1" noChangeArrowheads="1" noChangeShapeType="1" noTextEdit="1"/>
+              </p:cNvSpPr>
+              <p:nvPr>
+                <p:ph idx="1"/>
+              </p:nvPr>
+            </p:nvSpPr>
+            <p:spPr>
+              <a:xfrm>
+                <a:off x="457200" y="1600201"/>
+                <a:ext cx="8229600" cy="1066799"/>
+              </a:xfrm>
+              <a:blipFill>
+                <a:blip r:embed="rId3"/>
+                <a:stretch>
+                  <a:fillRect l="-1333" t="-5714" b="-4571"/>
+                </a:stretch>
+              </a:blipFill>
+            </p:spPr>
+            <p:txBody>
+              <a:bodyPr/>
+              <a:lstStyle/>
+              <a:p>
+                <a:r>
+                  <a:rPr lang="en-US">
+                    <a:noFill/>
+                  </a:rPr>
+                  <a:t> </a:t>
+                </a:r>
+              </a:p>
+            </p:txBody>
+          </p:sp>
+        </mc:Fallback>
+      </mc:AlternateContent>
+      <p:sp>
+        <p:nvSpPr>
+          <p:cNvPr id="5" name="Content Placeholder 2"/>
+          <p:cNvSpPr txBox="1">
+            <a:spLocks/>
+          </p:cNvSpPr>
+          <p:nvPr/>
+        </p:nvSpPr>
+        <p:spPr>
+          <a:xfrm>
+            <a:off x="450273" y="2514600"/>
+            <a:ext cx="4807527" cy="3987404"/>
+          </a:xfrm>
+          <a:prstGeom prst="rect">
+            <a:avLst/>
+          </a:prstGeom>
+        </p:spPr>
+        <p:txBody>
+          <a:bodyPr vert="horz" lIns="91440" tIns="45720" rIns="91440" bIns="45720" rtlCol="0">
+            <a:normAutofit/>
+          </a:bodyPr>
+          <a:lstStyle>
+            <a:lvl1pPr marL="342900" indent="-342900" algn="l" defTabSz="914400" rtl="0" eaLnBrk="1" latinLnBrk="0" hangingPunct="1">
+              <a:spcBef>
+                <a:spcPct val="20000"/>
+              </a:spcBef>
+              <a:buFont typeface="Arial" panose="020B0604020202020204" pitchFamily="34" charset="0"/>
+              <a:buChar char="•"/>
+              <a:defRPr sz="3200" kern="1200">
+                <a:solidFill>
+                  <a:schemeClr val="accent1">
+                    <a:lumMod val="50000"/>
+                  </a:schemeClr>
+                </a:solidFill>
+                <a:latin typeface="+mn-lt"/>
+                <a:ea typeface="+mn-ea"/>
+                <a:cs typeface="+mn-cs"/>
+              </a:defRPr>
+            </a:lvl1pPr>
+            <a:lvl2pPr marL="742950" indent="-285750" algn="l" defTabSz="914400" rtl="0" eaLnBrk="1" latinLnBrk="0" hangingPunct="1">
+              <a:spcBef>
+                <a:spcPct val="20000"/>
+              </a:spcBef>
+              <a:buFont typeface="Arial" panose="020B0604020202020204" pitchFamily="34" charset="0"/>
+              <a:buChar char="–"/>
+              <a:defRPr sz="2800" kern="1200">
+                <a:solidFill>
+                  <a:schemeClr val="accent1">
+                    <a:lumMod val="50000"/>
+                  </a:schemeClr>
+                </a:solidFill>
+                <a:latin typeface="+mn-lt"/>
+                <a:ea typeface="+mn-ea"/>
+                <a:cs typeface="+mn-cs"/>
+              </a:defRPr>
+            </a:lvl2pPr>
+            <a:lvl3pPr marL="1143000" indent="-228600" algn="l" defTabSz="914400" rtl="0" eaLnBrk="1" latinLnBrk="0" hangingPunct="1">
+              <a:spcBef>
+                <a:spcPct val="20000"/>
+              </a:spcBef>
+              <a:buFont typeface="Arial" panose="020B0604020202020204" pitchFamily="34" charset="0"/>
+              <a:buChar char="•"/>
+              <a:defRPr sz="2400" kern="1200">
+                <a:solidFill>
+                  <a:schemeClr val="accent1">
+                    <a:lumMod val="50000"/>
+                  </a:schemeClr>
+                </a:solidFill>
+                <a:latin typeface="+mn-lt"/>
+                <a:ea typeface="+mn-ea"/>
+                <a:cs typeface="+mn-cs"/>
+              </a:defRPr>
+            </a:lvl3pPr>
+            <a:lvl4pPr marL="1600200" indent="-228600" algn="l" defTabSz="914400" rtl="0" eaLnBrk="1" latinLnBrk="0" hangingPunct="1">
+              <a:spcBef>
+                <a:spcPct val="20000"/>
+              </a:spcBef>
+              <a:buFont typeface="Arial" panose="020B0604020202020204" pitchFamily="34" charset="0"/>
+              <a:buChar char="–"/>
+              <a:defRPr sz="2000" kern="1200">
+                <a:solidFill>
+                  <a:schemeClr val="accent1">
+                    <a:lumMod val="50000"/>
+                  </a:schemeClr>
+                </a:solidFill>
+                <a:latin typeface="+mn-lt"/>
+                <a:ea typeface="+mn-ea"/>
+                <a:cs typeface="+mn-cs"/>
+              </a:defRPr>
+            </a:lvl4pPr>
+            <a:lvl5pPr marL="2057400" indent="-228600" algn="l" defTabSz="914400" rtl="0" eaLnBrk="1" latinLnBrk="0" hangingPunct="1">
+              <a:spcBef>
+                <a:spcPct val="20000"/>
+              </a:spcBef>
+              <a:buFont typeface="Arial" panose="020B0604020202020204" pitchFamily="34" charset="0"/>
+              <a:buChar char="»"/>
+              <a:defRPr sz="2000" kern="1200">
+                <a:solidFill>
+                  <a:schemeClr val="accent1">
+                    <a:lumMod val="50000"/>
+                  </a:schemeClr>
+                </a:solidFill>
+                <a:latin typeface="+mn-lt"/>
+                <a:ea typeface="+mn-ea"/>
+                <a:cs typeface="+mn-cs"/>
+              </a:defRPr>
+            </a:lvl5pPr>
+            <a:lvl6pPr marL="2514600" indent="-228600" algn="l" defTabSz="914400" rtl="0" eaLnBrk="1" latinLnBrk="0" hangingPunct="1">
+              <a:spcBef>
+                <a:spcPct val="20000"/>
+              </a:spcBef>
+              <a:buFont typeface="Arial" panose="020B0604020202020204" pitchFamily="34" charset="0"/>
+              <a:buChar char="•"/>
+              <a:defRPr sz="2000" kern="1200">
+                <a:solidFill>
+                  <a:schemeClr val="tx1"/>
+                </a:solidFill>
+                <a:latin typeface="+mn-lt"/>
+                <a:ea typeface="+mn-ea"/>
+                <a:cs typeface="+mn-cs"/>
+              </a:defRPr>
+            </a:lvl6pPr>
+            <a:lvl7pPr marL="2971800" indent="-228600" algn="l" defTabSz="914400" rtl="0" eaLnBrk="1" latinLnBrk="0" hangingPunct="1">
+              <a:spcBef>
+                <a:spcPct val="20000"/>
+              </a:spcBef>
+              <a:buFont typeface="Arial" panose="020B0604020202020204" pitchFamily="34" charset="0"/>
+              <a:buChar char="•"/>
+              <a:defRPr sz="2000" kern="1200">
+                <a:solidFill>
+                  <a:schemeClr val="tx1"/>
+                </a:solidFill>
+                <a:latin typeface="+mn-lt"/>
+                <a:ea typeface="+mn-ea"/>
+                <a:cs typeface="+mn-cs"/>
+              </a:defRPr>
+            </a:lvl7pPr>
+            <a:lvl8pPr marL="3429000" indent="-228600" algn="l" defTabSz="914400" rtl="0" eaLnBrk="1" latinLnBrk="0" hangingPunct="1">
+              <a:spcBef>
+                <a:spcPct val="20000"/>
+              </a:spcBef>
+              <a:buFont typeface="Arial" panose="020B0604020202020204" pitchFamily="34" charset="0"/>
+              <a:buChar char="•"/>
+              <a:defRPr sz="2000" kern="1200">
+                <a:solidFill>
+                  <a:schemeClr val="tx1"/>
+                </a:solidFill>
+                <a:latin typeface="+mn-lt"/>
+                <a:ea typeface="+mn-ea"/>
+                <a:cs typeface="+mn-cs"/>
+              </a:defRPr>
+            </a:lvl8pPr>
+            <a:lvl9pPr marL="3886200" indent="-228600" algn="l" defTabSz="914400" rtl="0" eaLnBrk="1" latinLnBrk="0" hangingPunct="1">
+              <a:spcBef>
+                <a:spcPct val="20000"/>
+              </a:spcBef>
+              <a:buFont typeface="Arial" panose="020B0604020202020204" pitchFamily="34" charset="0"/>
+              <a:buChar char="•"/>
+              <a:defRPr sz="2000" kern="1200">
+                <a:solidFill>
+                  <a:schemeClr val="tx1"/>
+                </a:solidFill>
+                <a:latin typeface="+mn-lt"/>
+                <a:ea typeface="+mn-ea"/>
+                <a:cs typeface="+mn-cs"/>
+              </a:defRPr>
+            </a:lvl9pPr>
+          </a:lstStyle>
+          <a:p>
+            <a:r>
+              <a:rPr lang="en-US" sz="2800" dirty="0"/>
+              <a:t>Assuming the car maintains a constant speed, what is the minimum radius of curvature before slipping?</a:t>
+            </a:r>
+          </a:p>
+          <a:p>
+            <a:r>
+              <a:rPr lang="en-US" sz="2800" dirty="0"/>
+              <a:t>Assuming the car is speeding up at a rate of 10 ft/s</a:t>
+            </a:r>
+            <a:r>
+              <a:rPr lang="en-US" sz="2800" baseline="30000" dirty="0"/>
+              <a:t>2</a:t>
+            </a:r>
+            <a:r>
+              <a:rPr lang="en-US" sz="2800" dirty="0"/>
+              <a:t>, what is the minimum radius of curvature before slipping?</a:t>
+            </a:r>
+          </a:p>
+        </p:txBody>
+      </p:sp>
+      <p:sp>
+        <p:nvSpPr>
+          <p:cNvPr id="4" name="Arc 3">
+            <a:extLst>
+              <a:ext uri="{FF2B5EF4-FFF2-40B4-BE49-F238E27FC236}">
+                <a16:creationId xmlns:a16="http://schemas.microsoft.com/office/drawing/2014/main" id="{19A323F7-619F-4170-ACEC-D35371621EDE}"/>
+              </a:ext>
+            </a:extLst>
+          </p:cNvPr>
+          <p:cNvSpPr/>
+          <p:nvPr/>
+        </p:nvSpPr>
+        <p:spPr>
+          <a:xfrm>
+            <a:off x="2227123" y="2114999"/>
+            <a:ext cx="5638800" cy="5334000"/>
+          </a:xfrm>
+          <a:prstGeom prst="arc">
+            <a:avLst>
+              <a:gd name="adj1" fmla="val 19256665"/>
+              <a:gd name="adj2" fmla="val 2395471"/>
+            </a:avLst>
+          </a:prstGeom>
+          <a:ln w="9525" cap="flat" cmpd="sng" algn="ctr">
+            <a:solidFill>
+              <a:schemeClr val="accent1"/>
+            </a:solidFill>
+            <a:prstDash val="solid"/>
+            <a:round/>
+            <a:headEnd type="arrow" w="med" len="med"/>
+            <a:tailEnd type="none" w="med" len="med"/>
+          </a:ln>
+        </p:spPr>
+        <p:style>
+          <a:lnRef idx="0">
+            <a:scrgbClr r="0" g="0" b="0"/>
+          </a:lnRef>
+          <a:fillRef idx="0">
+            <a:scrgbClr r="0" g="0" b="0"/>
+          </a:fillRef>
+          <a:effectRef idx="0">
+            <a:scrgbClr r="0" g="0" b="0"/>
+          </a:effectRef>
+          <a:fontRef idx="minor">
+            <a:schemeClr val="tx1"/>
+          </a:fontRef>
+        </p:style>
+        <p:txBody>
+          <a:bodyPr rtlCol="0" anchor="ctr"/>
+          <a:lstStyle/>
+          <a:p>
+            <a:pPr algn="ctr"/>
+            <a:endParaRPr lang="en-US"/>
+          </a:p>
+        </p:txBody>
+      </p:sp>
+      <p:pic>
+        <p:nvPicPr>
+          <p:cNvPr id="2050" name="Picture 2" descr="Yellow Racing Car (Top View) by qubodup">
+            <a:extLst>
+              <a:ext uri="{FF2B5EF4-FFF2-40B4-BE49-F238E27FC236}">
+                <a16:creationId xmlns:a16="http://schemas.microsoft.com/office/drawing/2014/main" id="{FCB56ED9-9C7B-475A-9C15-03334BFB6A95}"/>
+              </a:ext>
+            </a:extLst>
+          </p:cNvPr>
+          <p:cNvPicPr>
+            <a:picLocks noChangeAspect="1" noChangeArrowheads="1"/>
+          </p:cNvPicPr>
+          <p:nvPr/>
+        </p:nvPicPr>
+        <p:blipFill>
+          <a:blip r:embed="rId4" cstate="print">
+            <a:extLst>
+              <a:ext uri="{28A0092B-C50C-407E-A947-70E740481C1C}">
+                <a14:useLocalDpi xmlns:a14="http://schemas.microsoft.com/office/drawing/2010/main" val="0"/>
+              </a:ext>
+            </a:extLst>
+          </a:blip>
+          <a:srcRect/>
+          <a:stretch>
+            <a:fillRect/>
+          </a:stretch>
+        </p:blipFill>
+        <p:spPr bwMode="auto">
+          <a:xfrm rot="16200000">
+            <a:off x="7388814" y="4559321"/>
+            <a:ext cx="933898" cy="463058"/>
+          </a:xfrm>
+          <a:prstGeom prst="rect">
+            <a:avLst/>
+          </a:prstGeom>
+          <a:noFill/>
+          <a:extLst>
+            <a:ext uri="{909E8E84-426E-40DD-AFC4-6F175D3DCCD1}">
+              <a14:hiddenFill xmlns:a14="http://schemas.microsoft.com/office/drawing/2010/main">
+                <a:solidFill>
+                  <a:srgbClr val="FFFFFF"/>
+                </a:solidFill>
+              </a14:hiddenFill>
+            </a:ext>
+          </a:extLst>
+        </p:spPr>
+      </p:pic>
+    </p:spTree>
+    <p:extLst>
+      <p:ext uri="{BB962C8B-B14F-4D97-AF65-F5344CB8AC3E}">
+        <p14:creationId xmlns:p14="http://schemas.microsoft.com/office/powerpoint/2010/main" val="4086641667"/>
       </p:ext>
     </p:extLst>
   </p:cSld>
@@ -4861,6 +9377,21 @@
 </file>
 
 <file path=customXml/item1.xml><?xml version="1.0" encoding="utf-8"?>
+<?mso-contentType ?>
+<FormTemplates xmlns="http://schemas.microsoft.com/sharepoint/v3/contenttype/forms">
+  <Display>DocumentLibraryForm</Display>
+  <Edit>DocumentLibraryForm</Edit>
+  <New>DocumentLibraryForm</New>
+</FormTemplates>
+</file>
+
+<file path=customXml/item2.xml><?xml version="1.0" encoding="utf-8"?>
+<p:properties xmlns:p="http://schemas.microsoft.com/office/2006/metadata/properties" xmlns:xsi="http://www.w3.org/2001/XMLSchema-instance" xmlns:pc="http://schemas.microsoft.com/office/infopath/2007/PartnerControls">
+  <documentManagement/>
+</p:properties>
+</file>
+
+<file path=customXml/item3.xml><?xml version="1.0" encoding="utf-8"?>
 <ct:contentTypeSchema xmlns:ct="http://schemas.microsoft.com/office/2006/metadata/contentType" xmlns:ma="http://schemas.microsoft.com/office/2006/metadata/properties/metaAttributes" ct:_="" ma:_="" ma:contentTypeName="Document" ma:contentTypeID="0x010100A06DF21F5BB2734A800ED30F3F452129" ma:contentTypeVersion="12" ma:contentTypeDescription="Create a new document." ma:contentTypeScope="" ma:versionID="544d96a5fbac5de9d5d902b535c73fb2">
   <xsd:schema xmlns:xsd="http://www.w3.org/2001/XMLSchema" xmlns:xs="http://www.w3.org/2001/XMLSchema" xmlns:p="http://schemas.microsoft.com/office/2006/metadata/properties" xmlns:ns3="90d05cb5-950f-4f68-bc2c-e17794455b92" xmlns:ns4="b4eab9fa-dbb0-4082-8491-8bd54207a265" targetNamespace="http://schemas.microsoft.com/office/2006/metadata/properties" ma:root="true" ma:fieldsID="7a710efc71c2169bf9c05e5a40dddf12" ns3:_="" ns4:_="">
     <xsd:import namespace="90d05cb5-950f-4f68-bc2c-e17794455b92"/>
@@ -5077,22 +9608,24 @@
 </ct:contentTypeSchema>
 </file>
 
-<file path=customXml/item2.xml><?xml version="1.0" encoding="utf-8"?>
-<p:properties xmlns:p="http://schemas.microsoft.com/office/2006/metadata/properties" xmlns:xsi="http://www.w3.org/2001/XMLSchema-instance" xmlns:pc="http://schemas.microsoft.com/office/infopath/2007/PartnerControls">
-  <documentManagement/>
-</p:properties>
+<file path=customXml/itemProps1.xml><?xml version="1.0" encoding="utf-8"?>
+<ds:datastoreItem xmlns:ds="http://schemas.openxmlformats.org/officeDocument/2006/customXml" ds:itemID="{F5CF5F32-56DC-4068-8B04-457CF34A96F3}">
+  <ds:schemaRefs>
+    <ds:schemaRef ds:uri="http://schemas.microsoft.com/sharepoint/v3/contenttype/forms"/>
+  </ds:schemaRefs>
+</ds:datastoreItem>
 </file>
 
-<file path=customXml/item3.xml><?xml version="1.0" encoding="utf-8"?>
-<?mso-contentType ?>
-<FormTemplates xmlns="http://schemas.microsoft.com/sharepoint/v3/contenttype/forms">
-  <Display>DocumentLibraryForm</Display>
-  <Edit>DocumentLibraryForm</Edit>
-  <New>DocumentLibraryForm</New>
-</FormTemplates>
+<file path=customXml/itemProps2.xml><?xml version="1.0" encoding="utf-8"?>
+<ds:datastoreItem xmlns:ds="http://schemas.openxmlformats.org/officeDocument/2006/customXml" ds:itemID="{52EB1464-66D1-425A-BBB5-7A9312BBE9C4}">
+  <ds:schemaRefs>
+    <ds:schemaRef ds:uri="http://schemas.microsoft.com/office/2006/metadata/properties"/>
+    <ds:schemaRef ds:uri="http://schemas.microsoft.com/office/infopath/2007/PartnerControls"/>
+  </ds:schemaRefs>
+</ds:datastoreItem>
 </file>
 
-<file path=customXml/itemProps1.xml><?xml version="1.0" encoding="utf-8"?>
+<file path=customXml/itemProps3.xml><?xml version="1.0" encoding="utf-8"?>
 <ds:datastoreItem xmlns:ds="http://schemas.openxmlformats.org/officeDocument/2006/customXml" ds:itemID="{A43B8A4B-79FE-4529-931C-D64224FA70E3}">
   <ds:schemaRefs>
     <ds:schemaRef ds:uri="http://schemas.microsoft.com/office/2006/metadata/contentType"/>
@@ -5109,21 +9642,4 @@
     <ds:schemaRef ds:uri="http://schemas.microsoft.com/internal/obd"/>
   </ds:schemaRefs>
 </ds:datastoreItem>
-</file>
-
-<file path=customXml/itemProps2.xml><?xml version="1.0" encoding="utf-8"?>
-<ds:datastoreItem xmlns:ds="http://schemas.openxmlformats.org/officeDocument/2006/customXml" ds:itemID="{52EB1464-66D1-425A-BBB5-7A9312BBE9C4}">
-  <ds:schemaRefs>
-    <ds:schemaRef ds:uri="http://schemas.microsoft.com/office/2006/metadata/properties"/>
-    <ds:schemaRef ds:uri="http://schemas.microsoft.com/office/infopath/2007/PartnerControls"/>
-  </ds:schemaRefs>
-</ds:datastoreItem>
-</file>
-
-<file path=customXml/itemProps3.xml><?xml version="1.0" encoding="utf-8"?>
-<ds:datastoreItem xmlns:ds="http://schemas.openxmlformats.org/officeDocument/2006/customXml" ds:itemID="{F5CF5F32-56DC-4068-8B04-457CF34A96F3}">
-  <ds:schemaRefs>
-    <ds:schemaRef ds:uri="http://schemas.microsoft.com/sharepoint/v3/contenttype/forms"/>
-  </ds:schemaRefs>
-</ds:datastoreItem>
 </file>